--- a/User_flow.pptx
+++ b/User_flow.pptx
@@ -6,6 +6,7 @@
   </p:sldMasterIdLst>
   <p:sldIdLst>
     <p:sldId id="256" r:id="rId2"/>
+    <p:sldId id="257" r:id="rId3"/>
   </p:sldIdLst>
   <p:sldSz cx="6858000" cy="12192000"/>
   <p:notesSz cx="6858000" cy="9144000"/>
@@ -104,6 +105,11 @@
       </a:defRPr>
     </a:lvl9pPr>
   </p:defaultTextStyle>
+  <p:extLst>
+    <p:ext uri="{EFAFB233-063F-42B5-8137-9DF3F51BA10A}">
+      <p15:sldGuideLst xmlns:p15="http://schemas.microsoft.com/office/powerpoint/2012/main"/>
+    </p:ext>
+  </p:extLst>
 </p:presentation>
 </file>
 
@@ -168,7 +174,7 @@
         </p:nvSpPr>
         <p:spPr>
           <a:xfrm>
-            <a:off x="857250" y="6403623"/>
+            <a:off x="857250" y="6403625"/>
             <a:ext cx="5143500" cy="2943577"/>
           </a:xfrm>
         </p:spPr>
@@ -179,35 +185,35 @@
               <a:buNone/>
               <a:defRPr sz="1800"/>
             </a:lvl1pPr>
-            <a:lvl2pPr marL="342900" indent="0" algn="ctr">
+            <a:lvl2pPr marL="342883" indent="0" algn="ctr">
               <a:buNone/>
               <a:defRPr sz="1500"/>
             </a:lvl2pPr>
-            <a:lvl3pPr marL="685800" indent="0" algn="ctr">
+            <a:lvl3pPr marL="685766" indent="0" algn="ctr">
               <a:buNone/>
               <a:defRPr sz="1350"/>
             </a:lvl3pPr>
-            <a:lvl4pPr marL="1028700" indent="0" algn="ctr">
+            <a:lvl4pPr marL="1028649" indent="0" algn="ctr">
               <a:buNone/>
               <a:defRPr sz="1200"/>
             </a:lvl4pPr>
-            <a:lvl5pPr marL="1371600" indent="0" algn="ctr">
+            <a:lvl5pPr marL="1371532" indent="0" algn="ctr">
               <a:buNone/>
               <a:defRPr sz="1200"/>
             </a:lvl5pPr>
-            <a:lvl6pPr marL="1714500" indent="0" algn="ctr">
+            <a:lvl6pPr marL="1714415" indent="0" algn="ctr">
               <a:buNone/>
               <a:defRPr sz="1200"/>
             </a:lvl6pPr>
-            <a:lvl7pPr marL="2057400" indent="0" algn="ctr">
+            <a:lvl7pPr marL="2057298" indent="0" algn="ctr">
               <a:buNone/>
               <a:defRPr sz="1200"/>
             </a:lvl7pPr>
-            <a:lvl8pPr marL="2400300" indent="0" algn="ctr">
+            <a:lvl8pPr marL="2400181" indent="0" algn="ctr">
               <a:buNone/>
               <a:defRPr sz="1200"/>
             </a:lvl8pPr>
-            <a:lvl9pPr marL="2743200" indent="0" algn="ctr">
+            <a:lvl9pPr marL="2743064" indent="0" algn="ctr">
               <a:buNone/>
               <a:defRPr sz="1200"/>
             </a:lvl9pPr>
@@ -238,7 +244,7 @@
           <a:p>
             <a:fld id="{666634D4-32EF-435E-9290-13CFEB7D2376}" type="datetimeFigureOut">
               <a:rPr lang="en-US" smtClean="0"/>
-              <a:t>11/26/2020</a:t>
+              <a:t>11/27/2020</a:t>
             </a:fld>
             <a:endParaRPr lang="en-US"/>
           </a:p>
@@ -408,7 +414,7 @@
           <a:p>
             <a:fld id="{666634D4-32EF-435E-9290-13CFEB7D2376}" type="datetimeFigureOut">
               <a:rPr lang="en-US" smtClean="0"/>
-              <a:t>11/26/2020</a:t>
+              <a:t>11/27/2020</a:t>
             </a:fld>
             <a:endParaRPr lang="en-US"/>
           </a:p>
@@ -588,7 +594,7 @@
           <a:p>
             <a:fld id="{666634D4-32EF-435E-9290-13CFEB7D2376}" type="datetimeFigureOut">
               <a:rPr lang="en-US" smtClean="0"/>
-              <a:t>11/26/2020</a:t>
+              <a:t>11/27/2020</a:t>
             </a:fld>
             <a:endParaRPr lang="en-US"/>
           </a:p>
@@ -758,7 +764,7 @@
           <a:p>
             <a:fld id="{666634D4-32EF-435E-9290-13CFEB7D2376}" type="datetimeFigureOut">
               <a:rPr lang="en-US" smtClean="0"/>
-              <a:t>11/26/2020</a:t>
+              <a:t>11/27/2020</a:t>
             </a:fld>
             <a:endParaRPr lang="en-US"/>
           </a:p>
@@ -880,7 +886,7 @@
         </p:nvSpPr>
         <p:spPr>
           <a:xfrm>
-            <a:off x="467916" y="8159048"/>
+            <a:off x="467916" y="8159050"/>
             <a:ext cx="5915025" cy="2666999"/>
           </a:xfrm>
         </p:spPr>
@@ -895,7 +901,7 @@
                 </a:solidFill>
               </a:defRPr>
             </a:lvl1pPr>
-            <a:lvl2pPr marL="342900" indent="0">
+            <a:lvl2pPr marL="342883" indent="0">
               <a:buNone/>
               <a:defRPr sz="1500">
                 <a:solidFill>
@@ -905,7 +911,7 @@
                 </a:solidFill>
               </a:defRPr>
             </a:lvl2pPr>
-            <a:lvl3pPr marL="685800" indent="0">
+            <a:lvl3pPr marL="685766" indent="0">
               <a:buNone/>
               <a:defRPr sz="1350">
                 <a:solidFill>
@@ -915,7 +921,7 @@
                 </a:solidFill>
               </a:defRPr>
             </a:lvl3pPr>
-            <a:lvl4pPr marL="1028700" indent="0">
+            <a:lvl4pPr marL="1028649" indent="0">
               <a:buNone/>
               <a:defRPr sz="1200">
                 <a:solidFill>
@@ -925,7 +931,7 @@
                 </a:solidFill>
               </a:defRPr>
             </a:lvl4pPr>
-            <a:lvl5pPr marL="1371600" indent="0">
+            <a:lvl5pPr marL="1371532" indent="0">
               <a:buNone/>
               <a:defRPr sz="1200">
                 <a:solidFill>
@@ -935,7 +941,7 @@
                 </a:solidFill>
               </a:defRPr>
             </a:lvl5pPr>
-            <a:lvl6pPr marL="1714500" indent="0">
+            <a:lvl6pPr marL="1714415" indent="0">
               <a:buNone/>
               <a:defRPr sz="1200">
                 <a:solidFill>
@@ -945,7 +951,7 @@
                 </a:solidFill>
               </a:defRPr>
             </a:lvl6pPr>
-            <a:lvl7pPr marL="2057400" indent="0">
+            <a:lvl7pPr marL="2057298" indent="0">
               <a:buNone/>
               <a:defRPr sz="1200">
                 <a:solidFill>
@@ -955,7 +961,7 @@
                 </a:solidFill>
               </a:defRPr>
             </a:lvl7pPr>
-            <a:lvl8pPr marL="2400300" indent="0">
+            <a:lvl8pPr marL="2400181" indent="0">
               <a:buNone/>
               <a:defRPr sz="1200">
                 <a:solidFill>
@@ -965,7 +971,7 @@
                 </a:solidFill>
               </a:defRPr>
             </a:lvl8pPr>
-            <a:lvl9pPr marL="2743200" indent="0">
+            <a:lvl9pPr marL="2743064" indent="0">
               <a:buNone/>
               <a:defRPr sz="1200">
                 <a:solidFill>
@@ -1002,7 +1008,7 @@
           <a:p>
             <a:fld id="{666634D4-32EF-435E-9290-13CFEB7D2376}" type="datetimeFigureOut">
               <a:rPr lang="en-US" smtClean="0"/>
-              <a:t>11/26/2020</a:t>
+              <a:t>11/27/2020</a:t>
             </a:fld>
             <a:endParaRPr lang="en-US"/>
           </a:p>
@@ -1234,7 +1240,7 @@
           <a:p>
             <a:fld id="{666634D4-32EF-435E-9290-13CFEB7D2376}" type="datetimeFigureOut">
               <a:rPr lang="en-US" smtClean="0"/>
-              <a:t>11/26/2020</a:t>
+              <a:t>11/27/2020</a:t>
             </a:fld>
             <a:endParaRPr lang="en-US"/>
           </a:p>
@@ -1352,7 +1358,7 @@
         </p:nvSpPr>
         <p:spPr>
           <a:xfrm>
-            <a:off x="472381" y="2988734"/>
+            <a:off x="472382" y="2988734"/>
             <a:ext cx="2901255" cy="1464732"/>
           </a:xfrm>
         </p:spPr>
@@ -1363,35 +1369,35 @@
               <a:buNone/>
               <a:defRPr sz="1800" b="1"/>
             </a:lvl1pPr>
-            <a:lvl2pPr marL="342900" indent="0">
+            <a:lvl2pPr marL="342883" indent="0">
               <a:buNone/>
               <a:defRPr sz="1500" b="1"/>
             </a:lvl2pPr>
-            <a:lvl3pPr marL="685800" indent="0">
+            <a:lvl3pPr marL="685766" indent="0">
               <a:buNone/>
               <a:defRPr sz="1350" b="1"/>
             </a:lvl3pPr>
-            <a:lvl4pPr marL="1028700" indent="0">
+            <a:lvl4pPr marL="1028649" indent="0">
               <a:buNone/>
               <a:defRPr sz="1200" b="1"/>
             </a:lvl4pPr>
-            <a:lvl5pPr marL="1371600" indent="0">
+            <a:lvl5pPr marL="1371532" indent="0">
               <a:buNone/>
               <a:defRPr sz="1200" b="1"/>
             </a:lvl5pPr>
-            <a:lvl6pPr marL="1714500" indent="0">
+            <a:lvl6pPr marL="1714415" indent="0">
               <a:buNone/>
               <a:defRPr sz="1200" b="1"/>
             </a:lvl6pPr>
-            <a:lvl7pPr marL="2057400" indent="0">
+            <a:lvl7pPr marL="2057298" indent="0">
               <a:buNone/>
               <a:defRPr sz="1200" b="1"/>
             </a:lvl7pPr>
-            <a:lvl8pPr marL="2400300" indent="0">
+            <a:lvl8pPr marL="2400181" indent="0">
               <a:buNone/>
               <a:defRPr sz="1200" b="1"/>
             </a:lvl8pPr>
-            <a:lvl9pPr marL="2743200" indent="0">
+            <a:lvl9pPr marL="2743064" indent="0">
               <a:buNone/>
               <a:defRPr sz="1200" b="1"/>
             </a:lvl9pPr>
@@ -1417,7 +1423,7 @@
         </p:nvSpPr>
         <p:spPr>
           <a:xfrm>
-            <a:off x="472381" y="4453467"/>
+            <a:off x="472382" y="4453469"/>
             <a:ext cx="2901255" cy="6550379"/>
           </a:xfrm>
         </p:spPr>
@@ -1474,7 +1480,7 @@
         </p:nvSpPr>
         <p:spPr>
           <a:xfrm>
-            <a:off x="3471863" y="2988734"/>
+            <a:off x="3471864" y="2988734"/>
             <a:ext cx="2915543" cy="1464732"/>
           </a:xfrm>
         </p:spPr>
@@ -1485,35 +1491,35 @@
               <a:buNone/>
               <a:defRPr sz="1800" b="1"/>
             </a:lvl1pPr>
-            <a:lvl2pPr marL="342900" indent="0">
+            <a:lvl2pPr marL="342883" indent="0">
               <a:buNone/>
               <a:defRPr sz="1500" b="1"/>
             </a:lvl2pPr>
-            <a:lvl3pPr marL="685800" indent="0">
+            <a:lvl3pPr marL="685766" indent="0">
               <a:buNone/>
               <a:defRPr sz="1350" b="1"/>
             </a:lvl3pPr>
-            <a:lvl4pPr marL="1028700" indent="0">
+            <a:lvl4pPr marL="1028649" indent="0">
               <a:buNone/>
               <a:defRPr sz="1200" b="1"/>
             </a:lvl4pPr>
-            <a:lvl5pPr marL="1371600" indent="0">
+            <a:lvl5pPr marL="1371532" indent="0">
               <a:buNone/>
               <a:defRPr sz="1200" b="1"/>
             </a:lvl5pPr>
-            <a:lvl6pPr marL="1714500" indent="0">
+            <a:lvl6pPr marL="1714415" indent="0">
               <a:buNone/>
               <a:defRPr sz="1200" b="1"/>
             </a:lvl6pPr>
-            <a:lvl7pPr marL="2057400" indent="0">
+            <a:lvl7pPr marL="2057298" indent="0">
               <a:buNone/>
               <a:defRPr sz="1200" b="1"/>
             </a:lvl7pPr>
-            <a:lvl8pPr marL="2400300" indent="0">
+            <a:lvl8pPr marL="2400181" indent="0">
               <a:buNone/>
               <a:defRPr sz="1200" b="1"/>
             </a:lvl8pPr>
-            <a:lvl9pPr marL="2743200" indent="0">
+            <a:lvl9pPr marL="2743064" indent="0">
               <a:buNone/>
               <a:defRPr sz="1200" b="1"/>
             </a:lvl9pPr>
@@ -1539,7 +1545,7 @@
         </p:nvSpPr>
         <p:spPr>
           <a:xfrm>
-            <a:off x="3471863" y="4453467"/>
+            <a:off x="3471864" y="4453469"/>
             <a:ext cx="2915543" cy="6550379"/>
           </a:xfrm>
         </p:spPr>
@@ -1601,7 +1607,7 @@
           <a:p>
             <a:fld id="{666634D4-32EF-435E-9290-13CFEB7D2376}" type="datetimeFigureOut">
               <a:rPr lang="en-US" smtClean="0"/>
-              <a:t>11/26/2020</a:t>
+              <a:t>11/27/2020</a:t>
             </a:fld>
             <a:endParaRPr lang="en-US"/>
           </a:p>
@@ -1719,7 +1725,7 @@
           <a:p>
             <a:fld id="{666634D4-32EF-435E-9290-13CFEB7D2376}" type="datetimeFigureOut">
               <a:rPr lang="en-US" smtClean="0"/>
-              <a:t>11/26/2020</a:t>
+              <a:t>11/27/2020</a:t>
             </a:fld>
             <a:endParaRPr lang="en-US"/>
           </a:p>
@@ -1814,7 +1820,7 @@
           <a:p>
             <a:fld id="{666634D4-32EF-435E-9290-13CFEB7D2376}" type="datetimeFigureOut">
               <a:rPr lang="en-US" smtClean="0"/>
-              <a:t>11/26/2020</a:t>
+              <a:t>11/27/2020</a:t>
             </a:fld>
             <a:endParaRPr lang="en-US"/>
           </a:p>
@@ -2032,35 +2038,35 @@
               <a:buNone/>
               <a:defRPr sz="1200"/>
             </a:lvl1pPr>
-            <a:lvl2pPr marL="342900" indent="0">
+            <a:lvl2pPr marL="342883" indent="0">
               <a:buNone/>
               <a:defRPr sz="1050"/>
             </a:lvl2pPr>
-            <a:lvl3pPr marL="685800" indent="0">
+            <a:lvl3pPr marL="685766" indent="0">
               <a:buNone/>
               <a:defRPr sz="900"/>
             </a:lvl3pPr>
-            <a:lvl4pPr marL="1028700" indent="0">
+            <a:lvl4pPr marL="1028649" indent="0">
               <a:buNone/>
               <a:defRPr sz="750"/>
             </a:lvl4pPr>
-            <a:lvl5pPr marL="1371600" indent="0">
+            <a:lvl5pPr marL="1371532" indent="0">
               <a:buNone/>
               <a:defRPr sz="750"/>
             </a:lvl5pPr>
-            <a:lvl6pPr marL="1714500" indent="0">
+            <a:lvl6pPr marL="1714415" indent="0">
               <a:buNone/>
               <a:defRPr sz="750"/>
             </a:lvl6pPr>
-            <a:lvl7pPr marL="2057400" indent="0">
+            <a:lvl7pPr marL="2057298" indent="0">
               <a:buNone/>
               <a:defRPr sz="750"/>
             </a:lvl7pPr>
-            <a:lvl8pPr marL="2400300" indent="0">
+            <a:lvl8pPr marL="2400181" indent="0">
               <a:buNone/>
               <a:defRPr sz="750"/>
             </a:lvl8pPr>
-            <a:lvl9pPr marL="2743200" indent="0">
+            <a:lvl9pPr marL="2743064" indent="0">
               <a:buNone/>
               <a:defRPr sz="750"/>
             </a:lvl9pPr>
@@ -2091,7 +2097,7 @@
           <a:p>
             <a:fld id="{666634D4-32EF-435E-9290-13CFEB7D2376}" type="datetimeFigureOut">
               <a:rPr lang="en-US" smtClean="0"/>
-              <a:t>11/26/2020</a:t>
+              <a:t>11/27/2020</a:t>
             </a:fld>
             <a:endParaRPr lang="en-US"/>
           </a:p>
@@ -2224,35 +2230,35 @@
               <a:buNone/>
               <a:defRPr sz="2400"/>
             </a:lvl1pPr>
-            <a:lvl2pPr marL="342900" indent="0">
+            <a:lvl2pPr marL="342883" indent="0">
               <a:buNone/>
               <a:defRPr sz="2100"/>
             </a:lvl2pPr>
-            <a:lvl3pPr marL="685800" indent="0">
+            <a:lvl3pPr marL="685766" indent="0">
               <a:buNone/>
               <a:defRPr sz="1800"/>
             </a:lvl3pPr>
-            <a:lvl4pPr marL="1028700" indent="0">
+            <a:lvl4pPr marL="1028649" indent="0">
               <a:buNone/>
               <a:defRPr sz="1500"/>
             </a:lvl4pPr>
-            <a:lvl5pPr marL="1371600" indent="0">
+            <a:lvl5pPr marL="1371532" indent="0">
               <a:buNone/>
               <a:defRPr sz="1500"/>
             </a:lvl5pPr>
-            <a:lvl6pPr marL="1714500" indent="0">
+            <a:lvl6pPr marL="1714415" indent="0">
               <a:buNone/>
               <a:defRPr sz="1500"/>
             </a:lvl6pPr>
-            <a:lvl7pPr marL="2057400" indent="0">
+            <a:lvl7pPr marL="2057298" indent="0">
               <a:buNone/>
               <a:defRPr sz="1500"/>
             </a:lvl7pPr>
-            <a:lvl8pPr marL="2400300" indent="0">
+            <a:lvl8pPr marL="2400181" indent="0">
               <a:buNone/>
               <a:defRPr sz="1500"/>
             </a:lvl8pPr>
-            <a:lvl9pPr marL="2743200" indent="0">
+            <a:lvl9pPr marL="2743064" indent="0">
               <a:buNone/>
               <a:defRPr sz="1500"/>
             </a:lvl9pPr>
@@ -2289,35 +2295,35 @@
               <a:buNone/>
               <a:defRPr sz="1200"/>
             </a:lvl1pPr>
-            <a:lvl2pPr marL="342900" indent="0">
+            <a:lvl2pPr marL="342883" indent="0">
               <a:buNone/>
               <a:defRPr sz="1050"/>
             </a:lvl2pPr>
-            <a:lvl3pPr marL="685800" indent="0">
+            <a:lvl3pPr marL="685766" indent="0">
               <a:buNone/>
               <a:defRPr sz="900"/>
             </a:lvl3pPr>
-            <a:lvl4pPr marL="1028700" indent="0">
+            <a:lvl4pPr marL="1028649" indent="0">
               <a:buNone/>
               <a:defRPr sz="750"/>
             </a:lvl4pPr>
-            <a:lvl5pPr marL="1371600" indent="0">
+            <a:lvl5pPr marL="1371532" indent="0">
               <a:buNone/>
               <a:defRPr sz="750"/>
             </a:lvl5pPr>
-            <a:lvl6pPr marL="1714500" indent="0">
+            <a:lvl6pPr marL="1714415" indent="0">
               <a:buNone/>
               <a:defRPr sz="750"/>
             </a:lvl6pPr>
-            <a:lvl7pPr marL="2057400" indent="0">
+            <a:lvl7pPr marL="2057298" indent="0">
               <a:buNone/>
               <a:defRPr sz="750"/>
             </a:lvl7pPr>
-            <a:lvl8pPr marL="2400300" indent="0">
+            <a:lvl8pPr marL="2400181" indent="0">
               <a:buNone/>
               <a:defRPr sz="750"/>
             </a:lvl8pPr>
-            <a:lvl9pPr marL="2743200" indent="0">
+            <a:lvl9pPr marL="2743064" indent="0">
               <a:buNone/>
               <a:defRPr sz="750"/>
             </a:lvl9pPr>
@@ -2348,7 +2354,7 @@
           <a:p>
             <a:fld id="{666634D4-32EF-435E-9290-13CFEB7D2376}" type="datetimeFigureOut">
               <a:rPr lang="en-US" smtClean="0"/>
-              <a:t>11/26/2020</a:t>
+              <a:t>11/27/2020</a:t>
             </a:fld>
             <a:endParaRPr lang="en-US"/>
           </a:p>
@@ -2538,7 +2544,7 @@
         </p:nvSpPr>
         <p:spPr>
           <a:xfrm>
-            <a:off x="471488" y="11300181"/>
+            <a:off x="471488" y="11300183"/>
             <a:ext cx="1543050" cy="649111"/>
           </a:xfrm>
           <a:prstGeom prst="rect">
@@ -2561,7 +2567,7 @@
           <a:p>
             <a:fld id="{666634D4-32EF-435E-9290-13CFEB7D2376}" type="datetimeFigureOut">
               <a:rPr lang="en-US" smtClean="0"/>
-              <a:t>11/26/2020</a:t>
+              <a:t>11/27/2020</a:t>
             </a:fld>
             <a:endParaRPr lang="en-US"/>
           </a:p>
@@ -2579,7 +2585,7 @@
         </p:nvSpPr>
         <p:spPr>
           <a:xfrm>
-            <a:off x="2271713" y="11300181"/>
+            <a:off x="2271713" y="11300183"/>
             <a:ext cx="2314575" cy="649111"/>
           </a:xfrm>
           <a:prstGeom prst="rect">
@@ -2616,7 +2622,7 @@
         </p:nvSpPr>
         <p:spPr>
           <a:xfrm>
-            <a:off x="4843463" y="11300181"/>
+            <a:off x="4843463" y="11300183"/>
             <a:ext cx="1543050" cy="649111"/>
           </a:xfrm>
           <a:prstGeom prst="rect">
@@ -2668,7 +2674,7 @@
   </p:sldLayoutIdLst>
   <p:txStyles>
     <p:titleStyle>
-      <a:lvl1pPr algn="l" defTabSz="685800" rtl="0" eaLnBrk="1" latinLnBrk="0" hangingPunct="1">
+      <a:lvl1pPr algn="l" defTabSz="685766" rtl="0" eaLnBrk="1" latinLnBrk="0" hangingPunct="1">
         <a:lnSpc>
           <a:spcPct val="90000"/>
         </a:lnSpc>
@@ -2687,7 +2693,7 @@
       </a:lvl1pPr>
     </p:titleStyle>
     <p:bodyStyle>
-      <a:lvl1pPr marL="171450" indent="-171450" algn="l" defTabSz="685800" rtl="0" eaLnBrk="1" latinLnBrk="0" hangingPunct="1">
+      <a:lvl1pPr marL="171442" indent="-171442" algn="l" defTabSz="685766" rtl="0" eaLnBrk="1" latinLnBrk="0" hangingPunct="1">
         <a:lnSpc>
           <a:spcPct val="90000"/>
         </a:lnSpc>
@@ -2705,7 +2711,7 @@
           <a:cs typeface="+mn-cs"/>
         </a:defRPr>
       </a:lvl1pPr>
-      <a:lvl2pPr marL="514350" indent="-171450" algn="l" defTabSz="685800" rtl="0" eaLnBrk="1" latinLnBrk="0" hangingPunct="1">
+      <a:lvl2pPr marL="514325" indent="-171442" algn="l" defTabSz="685766" rtl="0" eaLnBrk="1" latinLnBrk="0" hangingPunct="1">
         <a:lnSpc>
           <a:spcPct val="90000"/>
         </a:lnSpc>
@@ -2723,7 +2729,7 @@
           <a:cs typeface="+mn-cs"/>
         </a:defRPr>
       </a:lvl2pPr>
-      <a:lvl3pPr marL="857250" indent="-171450" algn="l" defTabSz="685800" rtl="0" eaLnBrk="1" latinLnBrk="0" hangingPunct="1">
+      <a:lvl3pPr marL="857208" indent="-171442" algn="l" defTabSz="685766" rtl="0" eaLnBrk="1" latinLnBrk="0" hangingPunct="1">
         <a:lnSpc>
           <a:spcPct val="90000"/>
         </a:lnSpc>
@@ -2741,7 +2747,7 @@
           <a:cs typeface="+mn-cs"/>
         </a:defRPr>
       </a:lvl3pPr>
-      <a:lvl4pPr marL="1200150" indent="-171450" algn="l" defTabSz="685800" rtl="0" eaLnBrk="1" latinLnBrk="0" hangingPunct="1">
+      <a:lvl4pPr marL="1200091" indent="-171442" algn="l" defTabSz="685766" rtl="0" eaLnBrk="1" latinLnBrk="0" hangingPunct="1">
         <a:lnSpc>
           <a:spcPct val="90000"/>
         </a:lnSpc>
@@ -2759,7 +2765,7 @@
           <a:cs typeface="+mn-cs"/>
         </a:defRPr>
       </a:lvl4pPr>
-      <a:lvl5pPr marL="1543050" indent="-171450" algn="l" defTabSz="685800" rtl="0" eaLnBrk="1" latinLnBrk="0" hangingPunct="1">
+      <a:lvl5pPr marL="1542974" indent="-171442" algn="l" defTabSz="685766" rtl="0" eaLnBrk="1" latinLnBrk="0" hangingPunct="1">
         <a:lnSpc>
           <a:spcPct val="90000"/>
         </a:lnSpc>
@@ -2777,7 +2783,7 @@
           <a:cs typeface="+mn-cs"/>
         </a:defRPr>
       </a:lvl5pPr>
-      <a:lvl6pPr marL="1885950" indent="-171450" algn="l" defTabSz="685800" rtl="0" eaLnBrk="1" latinLnBrk="0" hangingPunct="1">
+      <a:lvl6pPr marL="1885857" indent="-171442" algn="l" defTabSz="685766" rtl="0" eaLnBrk="1" latinLnBrk="0" hangingPunct="1">
         <a:lnSpc>
           <a:spcPct val="90000"/>
         </a:lnSpc>
@@ -2795,7 +2801,7 @@
           <a:cs typeface="+mn-cs"/>
         </a:defRPr>
       </a:lvl6pPr>
-      <a:lvl7pPr marL="2228850" indent="-171450" algn="l" defTabSz="685800" rtl="0" eaLnBrk="1" latinLnBrk="0" hangingPunct="1">
+      <a:lvl7pPr marL="2228740" indent="-171442" algn="l" defTabSz="685766" rtl="0" eaLnBrk="1" latinLnBrk="0" hangingPunct="1">
         <a:lnSpc>
           <a:spcPct val="90000"/>
         </a:lnSpc>
@@ -2813,7 +2819,7 @@
           <a:cs typeface="+mn-cs"/>
         </a:defRPr>
       </a:lvl7pPr>
-      <a:lvl8pPr marL="2571750" indent="-171450" algn="l" defTabSz="685800" rtl="0" eaLnBrk="1" latinLnBrk="0" hangingPunct="1">
+      <a:lvl8pPr marL="2571623" indent="-171442" algn="l" defTabSz="685766" rtl="0" eaLnBrk="1" latinLnBrk="0" hangingPunct="1">
         <a:lnSpc>
           <a:spcPct val="90000"/>
         </a:lnSpc>
@@ -2831,7 +2837,7 @@
           <a:cs typeface="+mn-cs"/>
         </a:defRPr>
       </a:lvl8pPr>
-      <a:lvl9pPr marL="2914650" indent="-171450" algn="l" defTabSz="685800" rtl="0" eaLnBrk="1" latinLnBrk="0" hangingPunct="1">
+      <a:lvl9pPr marL="2914506" indent="-171442" algn="l" defTabSz="685766" rtl="0" eaLnBrk="1" latinLnBrk="0" hangingPunct="1">
         <a:lnSpc>
           <a:spcPct val="90000"/>
         </a:lnSpc>
@@ -2854,7 +2860,7 @@
       <a:defPPr>
         <a:defRPr lang="en-US"/>
       </a:defPPr>
-      <a:lvl1pPr marL="0" algn="l" defTabSz="685800" rtl="0" eaLnBrk="1" latinLnBrk="0" hangingPunct="1">
+      <a:lvl1pPr marL="0" algn="l" defTabSz="685766" rtl="0" eaLnBrk="1" latinLnBrk="0" hangingPunct="1">
         <a:defRPr sz="1350" kern="1200">
           <a:solidFill>
             <a:schemeClr val="tx1"/>
@@ -2864,7 +2870,7 @@
           <a:cs typeface="+mn-cs"/>
         </a:defRPr>
       </a:lvl1pPr>
-      <a:lvl2pPr marL="342900" algn="l" defTabSz="685800" rtl="0" eaLnBrk="1" latinLnBrk="0" hangingPunct="1">
+      <a:lvl2pPr marL="342883" algn="l" defTabSz="685766" rtl="0" eaLnBrk="1" latinLnBrk="0" hangingPunct="1">
         <a:defRPr sz="1350" kern="1200">
           <a:solidFill>
             <a:schemeClr val="tx1"/>
@@ -2874,7 +2880,7 @@
           <a:cs typeface="+mn-cs"/>
         </a:defRPr>
       </a:lvl2pPr>
-      <a:lvl3pPr marL="685800" algn="l" defTabSz="685800" rtl="0" eaLnBrk="1" latinLnBrk="0" hangingPunct="1">
+      <a:lvl3pPr marL="685766" algn="l" defTabSz="685766" rtl="0" eaLnBrk="1" latinLnBrk="0" hangingPunct="1">
         <a:defRPr sz="1350" kern="1200">
           <a:solidFill>
             <a:schemeClr val="tx1"/>
@@ -2884,7 +2890,7 @@
           <a:cs typeface="+mn-cs"/>
         </a:defRPr>
       </a:lvl3pPr>
-      <a:lvl4pPr marL="1028700" algn="l" defTabSz="685800" rtl="0" eaLnBrk="1" latinLnBrk="0" hangingPunct="1">
+      <a:lvl4pPr marL="1028649" algn="l" defTabSz="685766" rtl="0" eaLnBrk="1" latinLnBrk="0" hangingPunct="1">
         <a:defRPr sz="1350" kern="1200">
           <a:solidFill>
             <a:schemeClr val="tx1"/>
@@ -2894,7 +2900,7 @@
           <a:cs typeface="+mn-cs"/>
         </a:defRPr>
       </a:lvl4pPr>
-      <a:lvl5pPr marL="1371600" algn="l" defTabSz="685800" rtl="0" eaLnBrk="1" latinLnBrk="0" hangingPunct="1">
+      <a:lvl5pPr marL="1371532" algn="l" defTabSz="685766" rtl="0" eaLnBrk="1" latinLnBrk="0" hangingPunct="1">
         <a:defRPr sz="1350" kern="1200">
           <a:solidFill>
             <a:schemeClr val="tx1"/>
@@ -2904,7 +2910,7 @@
           <a:cs typeface="+mn-cs"/>
         </a:defRPr>
       </a:lvl5pPr>
-      <a:lvl6pPr marL="1714500" algn="l" defTabSz="685800" rtl="0" eaLnBrk="1" latinLnBrk="0" hangingPunct="1">
+      <a:lvl6pPr marL="1714415" algn="l" defTabSz="685766" rtl="0" eaLnBrk="1" latinLnBrk="0" hangingPunct="1">
         <a:defRPr sz="1350" kern="1200">
           <a:solidFill>
             <a:schemeClr val="tx1"/>
@@ -2914,7 +2920,7 @@
           <a:cs typeface="+mn-cs"/>
         </a:defRPr>
       </a:lvl6pPr>
-      <a:lvl7pPr marL="2057400" algn="l" defTabSz="685800" rtl="0" eaLnBrk="1" latinLnBrk="0" hangingPunct="1">
+      <a:lvl7pPr marL="2057298" algn="l" defTabSz="685766" rtl="0" eaLnBrk="1" latinLnBrk="0" hangingPunct="1">
         <a:defRPr sz="1350" kern="1200">
           <a:solidFill>
             <a:schemeClr val="tx1"/>
@@ -2924,7 +2930,7 @@
           <a:cs typeface="+mn-cs"/>
         </a:defRPr>
       </a:lvl7pPr>
-      <a:lvl8pPr marL="2400300" algn="l" defTabSz="685800" rtl="0" eaLnBrk="1" latinLnBrk="0" hangingPunct="1">
+      <a:lvl8pPr marL="2400181" algn="l" defTabSz="685766" rtl="0" eaLnBrk="1" latinLnBrk="0" hangingPunct="1">
         <a:defRPr sz="1350" kern="1200">
           <a:solidFill>
             <a:schemeClr val="tx1"/>
@@ -2934,7 +2940,7 @@
           <a:cs typeface="+mn-cs"/>
         </a:defRPr>
       </a:lvl8pPr>
-      <a:lvl9pPr marL="2743200" algn="l" defTabSz="685800" rtl="0" eaLnBrk="1" latinLnBrk="0" hangingPunct="1">
+      <a:lvl9pPr marL="2743064" algn="l" defTabSz="685766" rtl="0" eaLnBrk="1" latinLnBrk="0" hangingPunct="1">
         <a:defRPr sz="1350" kern="1200">
           <a:solidFill>
             <a:schemeClr val="tx1"/>
@@ -4704,7 +4710,7 @@
         </p:nvSpPr>
         <p:spPr>
           <a:xfrm>
-            <a:off x="2939667" y="6508402"/>
+            <a:off x="2939667" y="6508403"/>
             <a:ext cx="568708" cy="225425"/>
           </a:xfrm>
           <a:prstGeom prst="roundRect">
@@ -4827,7 +4833,7 @@
         </p:nvSpPr>
         <p:spPr>
           <a:xfrm>
-            <a:off x="1769065" y="4427187"/>
+            <a:off x="1769066" y="4427187"/>
             <a:ext cx="723911" cy="241300"/>
           </a:xfrm>
           <a:prstGeom prst="rect">
@@ -4871,7 +4877,7 @@
         </p:nvSpPr>
         <p:spPr>
           <a:xfrm>
-            <a:off x="1769065" y="4955280"/>
+            <a:off x="1769066" y="4955280"/>
             <a:ext cx="723911" cy="241300"/>
           </a:xfrm>
           <a:prstGeom prst="rect">
@@ -4959,7 +4965,7 @@
         </p:nvSpPr>
         <p:spPr>
           <a:xfrm>
-            <a:off x="3912903" y="5498946"/>
+            <a:off x="3912904" y="5498946"/>
             <a:ext cx="723911" cy="241300"/>
           </a:xfrm>
           <a:prstGeom prst="rect">
@@ -5048,7 +5054,7 @@
         </p:nvCxnSpPr>
         <p:spPr>
           <a:xfrm>
-            <a:off x="2131021" y="4668487"/>
+            <a:off x="2131021" y="4668488"/>
             <a:ext cx="0" cy="286793"/>
           </a:xfrm>
           <a:prstGeom prst="straightConnector1">
@@ -5746,7 +5752,7 @@
         </p:nvSpPr>
         <p:spPr>
           <a:xfrm>
-            <a:off x="1743762" y="4419806"/>
+            <a:off x="1743762" y="4419807"/>
             <a:ext cx="797764" cy="246221"/>
           </a:xfrm>
           <a:prstGeom prst="rect">
@@ -5781,7 +5787,7 @@
         </p:nvSpPr>
         <p:spPr>
           <a:xfrm>
-            <a:off x="1712658" y="4951887"/>
+            <a:off x="1712659" y="4951888"/>
             <a:ext cx="845671" cy="246221"/>
           </a:xfrm>
           <a:prstGeom prst="rect">
@@ -5886,7 +5892,7 @@
         </p:nvSpPr>
         <p:spPr>
           <a:xfrm>
-            <a:off x="2934841" y="6498003"/>
+            <a:off x="2934841" y="6498004"/>
             <a:ext cx="607462" cy="246221"/>
           </a:xfrm>
           <a:prstGeom prst="rect">
@@ -6051,6 +6057,2134 @@
     <p:extLst>
       <p:ext uri="{BB962C8B-B14F-4D97-AF65-F5344CB8AC3E}">
         <p14:creationId xmlns:p14="http://schemas.microsoft.com/office/powerpoint/2010/main" val="2411061989"/>
+      </p:ext>
+    </p:extLst>
+  </p:cSld>
+  <p:clrMapOvr>
+    <a:masterClrMapping/>
+  </p:clrMapOvr>
+</p:sld>
+</file>
+
+<file path=ppt/slides/slide2.xml><?xml version="1.0" encoding="utf-8"?>
+<p:sld xmlns:a="http://schemas.openxmlformats.org/drawingml/2006/main" xmlns:r="http://schemas.openxmlformats.org/officeDocument/2006/relationships" xmlns:p="http://schemas.openxmlformats.org/presentationml/2006/main">
+  <p:cSld>
+    <p:spTree>
+      <p:nvGrpSpPr>
+        <p:cNvPr id="1" name=""/>
+        <p:cNvGrpSpPr/>
+        <p:nvPr/>
+      </p:nvGrpSpPr>
+      <p:grpSpPr>
+        <a:xfrm>
+          <a:off x="0" y="0"/>
+          <a:ext cx="0" cy="0"/>
+          <a:chOff x="0" y="0"/>
+          <a:chExt cx="0" cy="0"/>
+        </a:xfrm>
+      </p:grpSpPr>
+      <p:sp>
+        <p:nvSpPr>
+          <p:cNvPr id="4" name="Rectangle 3">
+            <a:extLst>
+              <a:ext uri="{FF2B5EF4-FFF2-40B4-BE49-F238E27FC236}">
+                <a16:creationId xmlns:a16="http://schemas.microsoft.com/office/drawing/2014/main" id="{424B2F30-9363-40FD-BC13-D075E5628BB3}"/>
+              </a:ext>
+            </a:extLst>
+          </p:cNvPr>
+          <p:cNvSpPr/>
+          <p:nvPr/>
+        </p:nvSpPr>
+        <p:spPr>
+          <a:xfrm>
+            <a:off x="2708917" y="2966986"/>
+            <a:ext cx="998085" cy="847042"/>
+          </a:xfrm>
+          <a:prstGeom prst="rect">
+            <a:avLst/>
+          </a:prstGeom>
+        </p:spPr>
+        <p:style>
+          <a:lnRef idx="2">
+            <a:schemeClr val="dk1"/>
+          </a:lnRef>
+          <a:fillRef idx="1">
+            <a:schemeClr val="lt1"/>
+          </a:fillRef>
+          <a:effectRef idx="0">
+            <a:schemeClr val="dk1"/>
+          </a:effectRef>
+          <a:fontRef idx="minor">
+            <a:schemeClr val="dk1"/>
+          </a:fontRef>
+        </p:style>
+        <p:txBody>
+          <a:bodyPr rtlCol="0" anchor="ctr"/>
+          <a:lstStyle/>
+          <a:p>
+            <a:pPr algn="ctr"/>
+            <a:endParaRPr lang="en-US"/>
+          </a:p>
+        </p:txBody>
+      </p:sp>
+      <p:cxnSp>
+        <p:nvCxnSpPr>
+          <p:cNvPr id="5" name="Straight Connector 4">
+            <a:extLst>
+              <a:ext uri="{FF2B5EF4-FFF2-40B4-BE49-F238E27FC236}">
+                <a16:creationId xmlns:a16="http://schemas.microsoft.com/office/drawing/2014/main" id="{B0A8C17E-C534-4A70-BD3C-4D79DD5068E6}"/>
+              </a:ext>
+            </a:extLst>
+          </p:cNvPr>
+          <p:cNvCxnSpPr>
+            <a:cxnSpLocks/>
+          </p:cNvCxnSpPr>
+          <p:nvPr/>
+        </p:nvCxnSpPr>
+        <p:spPr>
+          <a:xfrm>
+            <a:off x="2708917" y="3227013"/>
+            <a:ext cx="998085" cy="0"/>
+          </a:xfrm>
+          <a:prstGeom prst="line">
+            <a:avLst/>
+          </a:prstGeom>
+        </p:spPr>
+        <p:style>
+          <a:lnRef idx="1">
+            <a:schemeClr val="dk1"/>
+          </a:lnRef>
+          <a:fillRef idx="0">
+            <a:schemeClr val="dk1"/>
+          </a:fillRef>
+          <a:effectRef idx="0">
+            <a:schemeClr val="dk1"/>
+          </a:effectRef>
+          <a:fontRef idx="minor">
+            <a:schemeClr val="tx1"/>
+          </a:fontRef>
+        </p:style>
+      </p:cxnSp>
+      <p:sp>
+        <p:nvSpPr>
+          <p:cNvPr id="6" name="TextBox 5">
+            <a:extLst>
+              <a:ext uri="{FF2B5EF4-FFF2-40B4-BE49-F238E27FC236}">
+                <a16:creationId xmlns:a16="http://schemas.microsoft.com/office/drawing/2014/main" id="{8B62310D-B577-46B0-91BC-C9138B93F429}"/>
+              </a:ext>
+            </a:extLst>
+          </p:cNvPr>
+          <p:cNvSpPr txBox="1"/>
+          <p:nvPr/>
+        </p:nvSpPr>
+        <p:spPr>
+          <a:xfrm>
+            <a:off x="2708917" y="2980792"/>
+            <a:ext cx="566697" cy="246221"/>
+          </a:xfrm>
+          <a:prstGeom prst="rect">
+            <a:avLst/>
+          </a:prstGeom>
+          <a:noFill/>
+        </p:spPr>
+        <p:txBody>
+          <a:bodyPr wrap="square" rtlCol="0">
+            <a:spAutoFit/>
+          </a:bodyPr>
+          <a:lstStyle/>
+          <a:p>
+            <a:r>
+              <a:rPr lang="en-US" sz="1000" b="1" dirty="0"/>
+              <a:t>Troops</a:t>
+            </a:r>
+            <a:endParaRPr lang="en-US" b="1" dirty="0"/>
+          </a:p>
+        </p:txBody>
+      </p:sp>
+      <p:sp>
+        <p:nvSpPr>
+          <p:cNvPr id="7" name="TextBox 6">
+            <a:extLst>
+              <a:ext uri="{FF2B5EF4-FFF2-40B4-BE49-F238E27FC236}">
+                <a16:creationId xmlns:a16="http://schemas.microsoft.com/office/drawing/2014/main" id="{5E944FE7-9960-47B8-8441-418592643DE4}"/>
+              </a:ext>
+            </a:extLst>
+          </p:cNvPr>
+          <p:cNvSpPr txBox="1"/>
+          <p:nvPr/>
+        </p:nvSpPr>
+        <p:spPr>
+          <a:xfrm>
+            <a:off x="2765392" y="3238802"/>
+            <a:ext cx="930430" cy="553998"/>
+          </a:xfrm>
+          <a:prstGeom prst="rect">
+            <a:avLst/>
+          </a:prstGeom>
+          <a:noFill/>
+        </p:spPr>
+        <p:txBody>
+          <a:bodyPr wrap="square" rtlCol="0">
+            <a:spAutoFit/>
+          </a:bodyPr>
+          <a:lstStyle/>
+          <a:p>
+            <a:r>
+              <a:rPr lang="en-US" sz="1000" dirty="0"/>
+              <a:t>troopID{PK}</a:t>
+            </a:r>
+          </a:p>
+          <a:p>
+            <a:r>
+              <a:rPr lang="en-US" sz="1000" dirty="0"/>
+              <a:t>name</a:t>
+            </a:r>
+          </a:p>
+          <a:p>
+            <a:r>
+              <a:rPr lang="en-US" sz="1000" dirty="0"/>
+              <a:t>memo</a:t>
+            </a:r>
+          </a:p>
+        </p:txBody>
+      </p:sp>
+      <p:sp>
+        <p:nvSpPr>
+          <p:cNvPr id="8" name="Rectangle 7">
+            <a:extLst>
+              <a:ext uri="{FF2B5EF4-FFF2-40B4-BE49-F238E27FC236}">
+                <a16:creationId xmlns:a16="http://schemas.microsoft.com/office/drawing/2014/main" id="{66ED0180-829F-409C-9AB1-112AC403A962}"/>
+              </a:ext>
+            </a:extLst>
+          </p:cNvPr>
+          <p:cNvSpPr/>
+          <p:nvPr/>
+        </p:nvSpPr>
+        <p:spPr>
+          <a:xfrm>
+            <a:off x="397270" y="585750"/>
+            <a:ext cx="998085" cy="864073"/>
+          </a:xfrm>
+          <a:prstGeom prst="rect">
+            <a:avLst/>
+          </a:prstGeom>
+        </p:spPr>
+        <p:style>
+          <a:lnRef idx="2">
+            <a:schemeClr val="dk1"/>
+          </a:lnRef>
+          <a:fillRef idx="1">
+            <a:schemeClr val="lt1"/>
+          </a:fillRef>
+          <a:effectRef idx="0">
+            <a:schemeClr val="dk1"/>
+          </a:effectRef>
+          <a:fontRef idx="minor">
+            <a:schemeClr val="dk1"/>
+          </a:fontRef>
+        </p:style>
+        <p:txBody>
+          <a:bodyPr rtlCol="0" anchor="ctr"/>
+          <a:lstStyle/>
+          <a:p>
+            <a:pPr algn="ctr"/>
+            <a:endParaRPr lang="en-US"/>
+          </a:p>
+        </p:txBody>
+      </p:sp>
+      <p:cxnSp>
+        <p:nvCxnSpPr>
+          <p:cNvPr id="9" name="Straight Connector 8">
+            <a:extLst>
+              <a:ext uri="{FF2B5EF4-FFF2-40B4-BE49-F238E27FC236}">
+                <a16:creationId xmlns:a16="http://schemas.microsoft.com/office/drawing/2014/main" id="{FE64F1FE-937A-4CF1-87C3-48C39B3D3399}"/>
+              </a:ext>
+            </a:extLst>
+          </p:cNvPr>
+          <p:cNvCxnSpPr>
+            <a:cxnSpLocks/>
+          </p:cNvCxnSpPr>
+          <p:nvPr/>
+        </p:nvCxnSpPr>
+        <p:spPr>
+          <a:xfrm>
+            <a:off x="394587" y="844255"/>
+            <a:ext cx="998085" cy="0"/>
+          </a:xfrm>
+          <a:prstGeom prst="line">
+            <a:avLst/>
+          </a:prstGeom>
+        </p:spPr>
+        <p:style>
+          <a:lnRef idx="1">
+            <a:schemeClr val="dk1"/>
+          </a:lnRef>
+          <a:fillRef idx="0">
+            <a:schemeClr val="dk1"/>
+          </a:fillRef>
+          <a:effectRef idx="0">
+            <a:schemeClr val="dk1"/>
+          </a:effectRef>
+          <a:fontRef idx="minor">
+            <a:schemeClr val="tx1"/>
+          </a:fontRef>
+        </p:style>
+      </p:cxnSp>
+      <p:sp>
+        <p:nvSpPr>
+          <p:cNvPr id="10" name="TextBox 9">
+            <a:extLst>
+              <a:ext uri="{FF2B5EF4-FFF2-40B4-BE49-F238E27FC236}">
+                <a16:creationId xmlns:a16="http://schemas.microsoft.com/office/drawing/2014/main" id="{E87F49F0-A16A-42FA-8964-2FFDB29345CE}"/>
+              </a:ext>
+            </a:extLst>
+          </p:cNvPr>
+          <p:cNvSpPr txBox="1"/>
+          <p:nvPr/>
+        </p:nvSpPr>
+        <p:spPr>
+          <a:xfrm>
+            <a:off x="424529" y="606738"/>
+            <a:ext cx="566697" cy="246221"/>
+          </a:xfrm>
+          <a:prstGeom prst="rect">
+            <a:avLst/>
+          </a:prstGeom>
+          <a:noFill/>
+        </p:spPr>
+        <p:txBody>
+          <a:bodyPr wrap="square" rtlCol="0">
+            <a:spAutoFit/>
+          </a:bodyPr>
+          <a:lstStyle/>
+          <a:p>
+            <a:r>
+              <a:rPr lang="en-US" sz="1000" b="1" dirty="0"/>
+              <a:t>Users</a:t>
+            </a:r>
+            <a:endParaRPr lang="en-US" b="1" dirty="0"/>
+          </a:p>
+        </p:txBody>
+      </p:sp>
+      <p:sp>
+        <p:nvSpPr>
+          <p:cNvPr id="11" name="TextBox 10">
+            <a:extLst>
+              <a:ext uri="{FF2B5EF4-FFF2-40B4-BE49-F238E27FC236}">
+                <a16:creationId xmlns:a16="http://schemas.microsoft.com/office/drawing/2014/main" id="{18D67A36-D192-45D0-A361-362D491F2E19}"/>
+              </a:ext>
+            </a:extLst>
+          </p:cNvPr>
+          <p:cNvSpPr txBox="1"/>
+          <p:nvPr/>
+        </p:nvSpPr>
+        <p:spPr>
+          <a:xfrm>
+            <a:off x="375129" y="873947"/>
+            <a:ext cx="940935" cy="553998"/>
+          </a:xfrm>
+          <a:prstGeom prst="rect">
+            <a:avLst/>
+          </a:prstGeom>
+          <a:noFill/>
+        </p:spPr>
+        <p:txBody>
+          <a:bodyPr wrap="square" rtlCol="0">
+            <a:spAutoFit/>
+          </a:bodyPr>
+          <a:lstStyle/>
+          <a:p>
+            <a:r>
+              <a:rPr lang="en-US" sz="1000" dirty="0"/>
+              <a:t>userID{PK}</a:t>
+            </a:r>
+          </a:p>
+          <a:p>
+            <a:r>
+              <a:rPr lang="en-US" sz="1000" dirty="0"/>
+              <a:t>username</a:t>
+            </a:r>
+          </a:p>
+          <a:p>
+            <a:r>
+              <a:rPr lang="en-US" sz="1000" dirty="0"/>
+              <a:t>password</a:t>
+            </a:r>
+          </a:p>
+        </p:txBody>
+      </p:sp>
+      <p:sp>
+        <p:nvSpPr>
+          <p:cNvPr id="12" name="Rectangle 11">
+            <a:extLst>
+              <a:ext uri="{FF2B5EF4-FFF2-40B4-BE49-F238E27FC236}">
+                <a16:creationId xmlns:a16="http://schemas.microsoft.com/office/drawing/2014/main" id="{F73010C3-7C80-47D3-A624-3B03A1DF1A72}"/>
+              </a:ext>
+            </a:extLst>
+          </p:cNvPr>
+          <p:cNvSpPr/>
+          <p:nvPr/>
+        </p:nvSpPr>
+        <p:spPr>
+          <a:xfrm>
+            <a:off x="2681338" y="245598"/>
+            <a:ext cx="1050472" cy="1649353"/>
+          </a:xfrm>
+          <a:prstGeom prst="rect">
+            <a:avLst/>
+          </a:prstGeom>
+        </p:spPr>
+        <p:style>
+          <a:lnRef idx="2">
+            <a:schemeClr val="dk1"/>
+          </a:lnRef>
+          <a:fillRef idx="1">
+            <a:schemeClr val="lt1"/>
+          </a:fillRef>
+          <a:effectRef idx="0">
+            <a:schemeClr val="dk1"/>
+          </a:effectRef>
+          <a:fontRef idx="minor">
+            <a:schemeClr val="dk1"/>
+          </a:fontRef>
+        </p:style>
+        <p:txBody>
+          <a:bodyPr rtlCol="0" anchor="ctr"/>
+          <a:lstStyle/>
+          <a:p>
+            <a:pPr algn="ctr"/>
+            <a:endParaRPr lang="en-US"/>
+          </a:p>
+        </p:txBody>
+      </p:sp>
+      <p:cxnSp>
+        <p:nvCxnSpPr>
+          <p:cNvPr id="13" name="Straight Connector 12">
+            <a:extLst>
+              <a:ext uri="{FF2B5EF4-FFF2-40B4-BE49-F238E27FC236}">
+                <a16:creationId xmlns:a16="http://schemas.microsoft.com/office/drawing/2014/main" id="{8E0B1E43-9082-4EE0-BE06-48023842854F}"/>
+              </a:ext>
+            </a:extLst>
+          </p:cNvPr>
+          <p:cNvCxnSpPr>
+            <a:cxnSpLocks/>
+          </p:cNvCxnSpPr>
+          <p:nvPr/>
+        </p:nvCxnSpPr>
+        <p:spPr>
+          <a:xfrm>
+            <a:off x="2681337" y="530857"/>
+            <a:ext cx="1050472" cy="0"/>
+          </a:xfrm>
+          <a:prstGeom prst="line">
+            <a:avLst/>
+          </a:prstGeom>
+        </p:spPr>
+        <p:style>
+          <a:lnRef idx="1">
+            <a:schemeClr val="dk1"/>
+          </a:lnRef>
+          <a:fillRef idx="0">
+            <a:schemeClr val="dk1"/>
+          </a:fillRef>
+          <a:effectRef idx="0">
+            <a:schemeClr val="dk1"/>
+          </a:effectRef>
+          <a:fontRef idx="minor">
+            <a:schemeClr val="tx1"/>
+          </a:fontRef>
+        </p:style>
+      </p:cxnSp>
+      <p:sp>
+        <p:nvSpPr>
+          <p:cNvPr id="14" name="TextBox 13">
+            <a:extLst>
+              <a:ext uri="{FF2B5EF4-FFF2-40B4-BE49-F238E27FC236}">
+                <a16:creationId xmlns:a16="http://schemas.microsoft.com/office/drawing/2014/main" id="{6205F905-502F-43CF-B613-35829487053B}"/>
+              </a:ext>
+            </a:extLst>
+          </p:cNvPr>
+          <p:cNvSpPr txBox="1"/>
+          <p:nvPr/>
+        </p:nvSpPr>
+        <p:spPr>
+          <a:xfrm>
+            <a:off x="2681337" y="273142"/>
+            <a:ext cx="570395" cy="246221"/>
+          </a:xfrm>
+          <a:prstGeom prst="rect">
+            <a:avLst/>
+          </a:prstGeom>
+          <a:noFill/>
+        </p:spPr>
+        <p:txBody>
+          <a:bodyPr wrap="square" rtlCol="0">
+            <a:spAutoFit/>
+          </a:bodyPr>
+          <a:lstStyle/>
+          <a:p>
+            <a:r>
+              <a:rPr lang="en-US" sz="1000" b="1" dirty="0"/>
+              <a:t>Lords</a:t>
+            </a:r>
+            <a:endParaRPr lang="en-US" b="1" dirty="0"/>
+          </a:p>
+        </p:txBody>
+      </p:sp>
+      <p:sp>
+        <p:nvSpPr>
+          <p:cNvPr id="15" name="TextBox 14">
+            <a:extLst>
+              <a:ext uri="{FF2B5EF4-FFF2-40B4-BE49-F238E27FC236}">
+                <a16:creationId xmlns:a16="http://schemas.microsoft.com/office/drawing/2014/main" id="{5102F0E9-8613-49C0-85BF-B075CC96DD40}"/>
+              </a:ext>
+            </a:extLst>
+          </p:cNvPr>
+          <p:cNvSpPr txBox="1"/>
+          <p:nvPr/>
+        </p:nvSpPr>
+        <p:spPr>
+          <a:xfrm>
+            <a:off x="2688231" y="566999"/>
+            <a:ext cx="872672" cy="1169551"/>
+          </a:xfrm>
+          <a:prstGeom prst="rect">
+            <a:avLst/>
+          </a:prstGeom>
+          <a:noFill/>
+        </p:spPr>
+        <p:txBody>
+          <a:bodyPr wrap="square" rtlCol="0">
+            <a:spAutoFit/>
+          </a:bodyPr>
+          <a:lstStyle/>
+          <a:p>
+            <a:r>
+              <a:rPr lang="en-US" sz="1000" dirty="0"/>
+              <a:t>lordID{PK}</a:t>
+            </a:r>
+          </a:p>
+          <a:p>
+            <a:r>
+              <a:rPr lang="en-US" sz="1000" dirty="0"/>
+              <a:t>name</a:t>
+            </a:r>
+          </a:p>
+          <a:p>
+            <a:r>
+              <a:rPr lang="en-US" sz="1000" dirty="0"/>
+              <a:t>data</a:t>
+            </a:r>
+          </a:p>
+          <a:p>
+            <a:r>
+              <a:rPr lang="en-US" sz="1000" dirty="0"/>
+              <a:t>    hp</a:t>
+            </a:r>
+          </a:p>
+          <a:p>
+            <a:r>
+              <a:rPr lang="en-US" sz="1000" dirty="0"/>
+              <a:t>    attack</a:t>
+            </a:r>
+          </a:p>
+          <a:p>
+            <a:r>
+              <a:rPr lang="en-US" sz="1000" dirty="0"/>
+              <a:t>    armor</a:t>
+            </a:r>
+          </a:p>
+          <a:p>
+            <a:r>
+              <a:rPr lang="en-US" sz="1000" dirty="0"/>
+              <a:t>    spee</a:t>
+            </a:r>
+            <a:r>
+              <a:rPr lang="en-US" altLang="zh-CN" sz="1000" dirty="0"/>
+              <a:t>d</a:t>
+            </a:r>
+          </a:p>
+        </p:txBody>
+      </p:sp>
+      <p:sp>
+        <p:nvSpPr>
+          <p:cNvPr id="16" name="Rectangle 15">
+            <a:extLst>
+              <a:ext uri="{FF2B5EF4-FFF2-40B4-BE49-F238E27FC236}">
+                <a16:creationId xmlns:a16="http://schemas.microsoft.com/office/drawing/2014/main" id="{28BBF9D1-F7A6-41C8-ADB0-D191CE1967E9}"/>
+              </a:ext>
+            </a:extLst>
+          </p:cNvPr>
+          <p:cNvSpPr/>
+          <p:nvPr/>
+        </p:nvSpPr>
+        <p:spPr>
+          <a:xfrm>
+            <a:off x="5207752" y="598425"/>
+            <a:ext cx="879022" cy="944202"/>
+          </a:xfrm>
+          <a:prstGeom prst="rect">
+            <a:avLst/>
+          </a:prstGeom>
+        </p:spPr>
+        <p:style>
+          <a:lnRef idx="2">
+            <a:schemeClr val="dk1"/>
+          </a:lnRef>
+          <a:fillRef idx="1">
+            <a:schemeClr val="lt1"/>
+          </a:fillRef>
+          <a:effectRef idx="0">
+            <a:schemeClr val="dk1"/>
+          </a:effectRef>
+          <a:fontRef idx="minor">
+            <a:schemeClr val="dk1"/>
+          </a:fontRef>
+        </p:style>
+        <p:txBody>
+          <a:bodyPr rtlCol="0" anchor="ctr"/>
+          <a:lstStyle/>
+          <a:p>
+            <a:pPr algn="ctr"/>
+            <a:endParaRPr lang="en-US"/>
+          </a:p>
+        </p:txBody>
+      </p:sp>
+      <p:cxnSp>
+        <p:nvCxnSpPr>
+          <p:cNvPr id="17" name="Straight Connector 16">
+            <a:extLst>
+              <a:ext uri="{FF2B5EF4-FFF2-40B4-BE49-F238E27FC236}">
+                <a16:creationId xmlns:a16="http://schemas.microsoft.com/office/drawing/2014/main" id="{9224CBA3-618C-4E93-816F-0DA2EDDCA8A8}"/>
+              </a:ext>
+            </a:extLst>
+          </p:cNvPr>
+          <p:cNvCxnSpPr>
+            <a:cxnSpLocks/>
+          </p:cNvCxnSpPr>
+          <p:nvPr/>
+        </p:nvCxnSpPr>
+        <p:spPr>
+          <a:xfrm>
+            <a:off x="5207751" y="858452"/>
+            <a:ext cx="879023" cy="0"/>
+          </a:xfrm>
+          <a:prstGeom prst="line">
+            <a:avLst/>
+          </a:prstGeom>
+        </p:spPr>
+        <p:style>
+          <a:lnRef idx="1">
+            <a:schemeClr val="dk1"/>
+          </a:lnRef>
+          <a:fillRef idx="0">
+            <a:schemeClr val="dk1"/>
+          </a:fillRef>
+          <a:effectRef idx="0">
+            <a:schemeClr val="dk1"/>
+          </a:effectRef>
+          <a:fontRef idx="minor">
+            <a:schemeClr val="tx1"/>
+          </a:fontRef>
+        </p:style>
+      </p:cxnSp>
+      <p:sp>
+        <p:nvSpPr>
+          <p:cNvPr id="18" name="TextBox 17">
+            <a:extLst>
+              <a:ext uri="{FF2B5EF4-FFF2-40B4-BE49-F238E27FC236}">
+                <a16:creationId xmlns:a16="http://schemas.microsoft.com/office/drawing/2014/main" id="{A9338382-C39B-4C3F-AC8E-AAA9AEE46D2B}"/>
+              </a:ext>
+            </a:extLst>
+          </p:cNvPr>
+          <p:cNvSpPr txBox="1"/>
+          <p:nvPr/>
+        </p:nvSpPr>
+        <p:spPr>
+          <a:xfrm>
+            <a:off x="5207751" y="612231"/>
+            <a:ext cx="566697" cy="246221"/>
+          </a:xfrm>
+          <a:prstGeom prst="rect">
+            <a:avLst/>
+          </a:prstGeom>
+          <a:noFill/>
+        </p:spPr>
+        <p:txBody>
+          <a:bodyPr wrap="square" rtlCol="0">
+            <a:spAutoFit/>
+          </a:bodyPr>
+          <a:lstStyle/>
+          <a:p>
+            <a:r>
+              <a:rPr lang="en-US" sz="1000" b="1" dirty="0"/>
+              <a:t>Races</a:t>
+            </a:r>
+            <a:endParaRPr lang="en-US" b="1" dirty="0"/>
+          </a:p>
+        </p:txBody>
+      </p:sp>
+      <p:sp>
+        <p:nvSpPr>
+          <p:cNvPr id="19" name="TextBox 18">
+            <a:extLst>
+              <a:ext uri="{FF2B5EF4-FFF2-40B4-BE49-F238E27FC236}">
+                <a16:creationId xmlns:a16="http://schemas.microsoft.com/office/drawing/2014/main" id="{B03EEA7B-DDAE-461C-BE5C-1C5A5888CE49}"/>
+              </a:ext>
+            </a:extLst>
+          </p:cNvPr>
+          <p:cNvSpPr txBox="1"/>
+          <p:nvPr/>
+        </p:nvSpPr>
+        <p:spPr>
+          <a:xfrm>
+            <a:off x="5233092" y="919990"/>
+            <a:ext cx="803920" cy="553998"/>
+          </a:xfrm>
+          <a:prstGeom prst="rect">
+            <a:avLst/>
+          </a:prstGeom>
+          <a:noFill/>
+        </p:spPr>
+        <p:txBody>
+          <a:bodyPr wrap="square" rtlCol="0">
+            <a:spAutoFit/>
+          </a:bodyPr>
+          <a:lstStyle/>
+          <a:p>
+            <a:r>
+              <a:rPr lang="en-US" sz="1000" dirty="0"/>
+              <a:t>race{PK}</a:t>
+            </a:r>
+          </a:p>
+          <a:p>
+            <a:r>
+              <a:rPr lang="en-US" sz="1000" dirty="0"/>
+              <a:t>location</a:t>
+            </a:r>
+          </a:p>
+          <a:p>
+            <a:r>
+              <a:rPr lang="en-US" sz="1000" dirty="0"/>
+              <a:t>description</a:t>
+            </a:r>
+          </a:p>
+        </p:txBody>
+      </p:sp>
+      <p:sp>
+        <p:nvSpPr>
+          <p:cNvPr id="20" name="Rectangle 19">
+            <a:extLst>
+              <a:ext uri="{FF2B5EF4-FFF2-40B4-BE49-F238E27FC236}">
+                <a16:creationId xmlns:a16="http://schemas.microsoft.com/office/drawing/2014/main" id="{F95C1D80-E547-48A5-B83B-D5C72457AF8A}"/>
+              </a:ext>
+            </a:extLst>
+          </p:cNvPr>
+          <p:cNvSpPr/>
+          <p:nvPr/>
+        </p:nvSpPr>
+        <p:spPr>
+          <a:xfrm>
+            <a:off x="5121271" y="2368207"/>
+            <a:ext cx="1050472" cy="2045101"/>
+          </a:xfrm>
+          <a:prstGeom prst="rect">
+            <a:avLst/>
+          </a:prstGeom>
+        </p:spPr>
+        <p:style>
+          <a:lnRef idx="2">
+            <a:schemeClr val="dk1"/>
+          </a:lnRef>
+          <a:fillRef idx="1">
+            <a:schemeClr val="lt1"/>
+          </a:fillRef>
+          <a:effectRef idx="0">
+            <a:schemeClr val="dk1"/>
+          </a:effectRef>
+          <a:fontRef idx="minor">
+            <a:schemeClr val="dk1"/>
+          </a:fontRef>
+        </p:style>
+        <p:txBody>
+          <a:bodyPr rtlCol="0" anchor="ctr"/>
+          <a:lstStyle/>
+          <a:p>
+            <a:pPr algn="ctr"/>
+            <a:endParaRPr lang="en-US"/>
+          </a:p>
+        </p:txBody>
+      </p:sp>
+      <p:cxnSp>
+        <p:nvCxnSpPr>
+          <p:cNvPr id="21" name="Straight Connector 20">
+            <a:extLst>
+              <a:ext uri="{FF2B5EF4-FFF2-40B4-BE49-F238E27FC236}">
+                <a16:creationId xmlns:a16="http://schemas.microsoft.com/office/drawing/2014/main" id="{014EA42C-F92C-45E2-B3D0-FC1D83FE5F18}"/>
+              </a:ext>
+            </a:extLst>
+          </p:cNvPr>
+          <p:cNvCxnSpPr>
+            <a:cxnSpLocks/>
+          </p:cNvCxnSpPr>
+          <p:nvPr/>
+        </p:nvCxnSpPr>
+        <p:spPr>
+          <a:xfrm>
+            <a:off x="5121271" y="2628235"/>
+            <a:ext cx="1050472" cy="0"/>
+          </a:xfrm>
+          <a:prstGeom prst="line">
+            <a:avLst/>
+          </a:prstGeom>
+        </p:spPr>
+        <p:style>
+          <a:lnRef idx="1">
+            <a:schemeClr val="dk1"/>
+          </a:lnRef>
+          <a:fillRef idx="0">
+            <a:schemeClr val="dk1"/>
+          </a:fillRef>
+          <a:effectRef idx="0">
+            <a:schemeClr val="dk1"/>
+          </a:effectRef>
+          <a:fontRef idx="minor">
+            <a:schemeClr val="tx1"/>
+          </a:fontRef>
+        </p:style>
+      </p:cxnSp>
+      <p:sp>
+        <p:nvSpPr>
+          <p:cNvPr id="22" name="TextBox 21">
+            <a:extLst>
+              <a:ext uri="{FF2B5EF4-FFF2-40B4-BE49-F238E27FC236}">
+                <a16:creationId xmlns:a16="http://schemas.microsoft.com/office/drawing/2014/main" id="{142004F7-7ABB-44DD-9E3C-4A312997E7DA}"/>
+              </a:ext>
+            </a:extLst>
+          </p:cNvPr>
+          <p:cNvSpPr txBox="1"/>
+          <p:nvPr/>
+        </p:nvSpPr>
+        <p:spPr>
+          <a:xfrm>
+            <a:off x="5121271" y="2382014"/>
+            <a:ext cx="570395" cy="246221"/>
+          </a:xfrm>
+          <a:prstGeom prst="rect">
+            <a:avLst/>
+          </a:prstGeom>
+          <a:noFill/>
+        </p:spPr>
+        <p:txBody>
+          <a:bodyPr wrap="square" rtlCol="0">
+            <a:spAutoFit/>
+          </a:bodyPr>
+          <a:lstStyle/>
+          <a:p>
+            <a:r>
+              <a:rPr lang="en-US" sz="1000" b="1" dirty="0"/>
+              <a:t>Arms</a:t>
+            </a:r>
+            <a:endParaRPr lang="en-US" b="1" dirty="0"/>
+          </a:p>
+        </p:txBody>
+      </p:sp>
+      <p:sp>
+        <p:nvSpPr>
+          <p:cNvPr id="23" name="TextBox 22">
+            <a:extLst>
+              <a:ext uri="{FF2B5EF4-FFF2-40B4-BE49-F238E27FC236}">
+                <a16:creationId xmlns:a16="http://schemas.microsoft.com/office/drawing/2014/main" id="{DBD29E09-A658-415E-9C34-0C62AD7636A1}"/>
+              </a:ext>
+            </a:extLst>
+          </p:cNvPr>
+          <p:cNvSpPr txBox="1"/>
+          <p:nvPr/>
+        </p:nvSpPr>
+        <p:spPr>
+          <a:xfrm>
+            <a:off x="5113726" y="2675939"/>
+            <a:ext cx="872672" cy="1631216"/>
+          </a:xfrm>
+          <a:prstGeom prst="rect">
+            <a:avLst/>
+          </a:prstGeom>
+          <a:noFill/>
+        </p:spPr>
+        <p:txBody>
+          <a:bodyPr wrap="square" rtlCol="0">
+            <a:spAutoFit/>
+          </a:bodyPr>
+          <a:lstStyle/>
+          <a:p>
+            <a:r>
+              <a:rPr lang="en-US" sz="1000" dirty="0"/>
+              <a:t>armID{PK}</a:t>
+            </a:r>
+          </a:p>
+          <a:p>
+            <a:r>
+              <a:rPr lang="en-US" sz="1000" dirty="0"/>
+              <a:t>name</a:t>
+            </a:r>
+          </a:p>
+          <a:p>
+            <a:r>
+              <a:rPr lang="en-US" sz="1000" dirty="0"/>
+              <a:t>type</a:t>
+            </a:r>
+          </a:p>
+          <a:p>
+            <a:r>
+              <a:rPr lang="en-US" sz="1000" dirty="0"/>
+              <a:t>data</a:t>
+            </a:r>
+          </a:p>
+          <a:p>
+            <a:r>
+              <a:rPr lang="en-US" sz="1000" dirty="0"/>
+              <a:t>    </a:t>
+            </a:r>
+            <a:r>
+              <a:rPr lang="en-US" altLang="zh-CN" sz="1000" dirty="0"/>
+              <a:t>cost</a:t>
+            </a:r>
+            <a:endParaRPr lang="en-US" sz="1000" dirty="0"/>
+          </a:p>
+          <a:p>
+            <a:r>
+              <a:rPr lang="en-US" sz="1000" dirty="0"/>
+              <a:t>    scale</a:t>
+            </a:r>
+          </a:p>
+          <a:p>
+            <a:r>
+              <a:rPr lang="en-US" sz="1000" dirty="0"/>
+              <a:t>    hp</a:t>
+            </a:r>
+          </a:p>
+          <a:p>
+            <a:r>
+              <a:rPr lang="en-US" sz="1000" dirty="0"/>
+              <a:t>    attack</a:t>
+            </a:r>
+          </a:p>
+          <a:p>
+            <a:r>
+              <a:rPr lang="en-US" sz="1000" dirty="0"/>
+              <a:t>    armor</a:t>
+            </a:r>
+          </a:p>
+          <a:p>
+            <a:r>
+              <a:rPr lang="en-US" sz="1000" dirty="0"/>
+              <a:t>    speed</a:t>
+            </a:r>
+          </a:p>
+        </p:txBody>
+      </p:sp>
+      <p:sp>
+        <p:nvSpPr>
+          <p:cNvPr id="24" name="Rectangle 23">
+            <a:extLst>
+              <a:ext uri="{FF2B5EF4-FFF2-40B4-BE49-F238E27FC236}">
+                <a16:creationId xmlns:a16="http://schemas.microsoft.com/office/drawing/2014/main" id="{2AF77B92-E068-48D7-9CAE-B69DA3E87E34}"/>
+              </a:ext>
+            </a:extLst>
+          </p:cNvPr>
+          <p:cNvSpPr/>
+          <p:nvPr/>
+        </p:nvSpPr>
+        <p:spPr>
+          <a:xfrm>
+            <a:off x="394188" y="2891951"/>
+            <a:ext cx="1007865" cy="1000931"/>
+          </a:xfrm>
+          <a:prstGeom prst="rect">
+            <a:avLst/>
+          </a:prstGeom>
+        </p:spPr>
+        <p:style>
+          <a:lnRef idx="2">
+            <a:schemeClr val="dk1"/>
+          </a:lnRef>
+          <a:fillRef idx="1">
+            <a:schemeClr val="lt1"/>
+          </a:fillRef>
+          <a:effectRef idx="0">
+            <a:schemeClr val="dk1"/>
+          </a:effectRef>
+          <a:fontRef idx="minor">
+            <a:schemeClr val="dk1"/>
+          </a:fontRef>
+        </p:style>
+        <p:txBody>
+          <a:bodyPr rtlCol="0" anchor="ctr"/>
+          <a:lstStyle/>
+          <a:p>
+            <a:pPr algn="ctr"/>
+            <a:endParaRPr lang="en-US"/>
+          </a:p>
+        </p:txBody>
+      </p:sp>
+      <p:cxnSp>
+        <p:nvCxnSpPr>
+          <p:cNvPr id="25" name="Straight Connector 24">
+            <a:extLst>
+              <a:ext uri="{FF2B5EF4-FFF2-40B4-BE49-F238E27FC236}">
+                <a16:creationId xmlns:a16="http://schemas.microsoft.com/office/drawing/2014/main" id="{FA0A5ED3-52A4-43E8-8FF9-692A27B89ECC}"/>
+              </a:ext>
+            </a:extLst>
+          </p:cNvPr>
+          <p:cNvCxnSpPr>
+            <a:cxnSpLocks/>
+          </p:cNvCxnSpPr>
+          <p:nvPr/>
+        </p:nvCxnSpPr>
+        <p:spPr>
+          <a:xfrm>
+            <a:off x="394188" y="3151979"/>
+            <a:ext cx="1007865" cy="0"/>
+          </a:xfrm>
+          <a:prstGeom prst="line">
+            <a:avLst/>
+          </a:prstGeom>
+        </p:spPr>
+        <p:style>
+          <a:lnRef idx="1">
+            <a:schemeClr val="dk1"/>
+          </a:lnRef>
+          <a:fillRef idx="0">
+            <a:schemeClr val="dk1"/>
+          </a:fillRef>
+          <a:effectRef idx="0">
+            <a:schemeClr val="dk1"/>
+          </a:effectRef>
+          <a:fontRef idx="minor">
+            <a:schemeClr val="tx1"/>
+          </a:fontRef>
+        </p:style>
+      </p:cxnSp>
+      <p:sp>
+        <p:nvSpPr>
+          <p:cNvPr id="26" name="TextBox 25">
+            <a:extLst>
+              <a:ext uri="{FF2B5EF4-FFF2-40B4-BE49-F238E27FC236}">
+                <a16:creationId xmlns:a16="http://schemas.microsoft.com/office/drawing/2014/main" id="{95FE6FF4-25C5-4CBA-9F12-A7A1EC547F5C}"/>
+              </a:ext>
+            </a:extLst>
+          </p:cNvPr>
+          <p:cNvSpPr txBox="1"/>
+          <p:nvPr/>
+        </p:nvSpPr>
+        <p:spPr>
+          <a:xfrm>
+            <a:off x="553233" y="2898802"/>
+            <a:ext cx="907597" cy="246221"/>
+          </a:xfrm>
+          <a:prstGeom prst="rect">
+            <a:avLst/>
+          </a:prstGeom>
+          <a:noFill/>
+        </p:spPr>
+        <p:txBody>
+          <a:bodyPr wrap="square" rtlCol="0">
+            <a:spAutoFit/>
+          </a:bodyPr>
+          <a:lstStyle/>
+          <a:p>
+            <a:r>
+              <a:rPr lang="en-US" sz="1000" b="1" dirty="0"/>
+              <a:t>Wartests</a:t>
+            </a:r>
+            <a:endParaRPr lang="en-US" b="1" dirty="0"/>
+          </a:p>
+        </p:txBody>
+      </p:sp>
+      <p:sp>
+        <p:nvSpPr>
+          <p:cNvPr id="27" name="TextBox 26">
+            <a:extLst>
+              <a:ext uri="{FF2B5EF4-FFF2-40B4-BE49-F238E27FC236}">
+                <a16:creationId xmlns:a16="http://schemas.microsoft.com/office/drawing/2014/main" id="{0DA63651-C570-4992-BF64-7B9E07542CDD}"/>
+              </a:ext>
+            </a:extLst>
+          </p:cNvPr>
+          <p:cNvSpPr txBox="1"/>
+          <p:nvPr/>
+        </p:nvSpPr>
+        <p:spPr>
+          <a:xfrm>
+            <a:off x="394188" y="3184996"/>
+            <a:ext cx="884040" cy="707886"/>
+          </a:xfrm>
+          <a:prstGeom prst="rect">
+            <a:avLst/>
+          </a:prstGeom>
+          <a:noFill/>
+        </p:spPr>
+        <p:txBody>
+          <a:bodyPr wrap="square" rtlCol="0">
+            <a:spAutoFit/>
+          </a:bodyPr>
+          <a:lstStyle/>
+          <a:p>
+            <a:r>
+              <a:rPr lang="en-US" sz="1000" dirty="0"/>
+              <a:t>warID{PK} location</a:t>
+            </a:r>
+          </a:p>
+          <a:p>
+            <a:r>
+              <a:rPr lang="en-US" sz="1000" dirty="0"/>
+              <a:t>result</a:t>
+            </a:r>
+          </a:p>
+          <a:p>
+            <a:r>
+              <a:rPr lang="en-US" sz="1000" dirty="0"/>
+              <a:t>    armsleft</a:t>
+            </a:r>
+          </a:p>
+        </p:txBody>
+      </p:sp>
+      <p:cxnSp>
+        <p:nvCxnSpPr>
+          <p:cNvPr id="28" name="Straight Arrow Connector 27">
+            <a:extLst>
+              <a:ext uri="{FF2B5EF4-FFF2-40B4-BE49-F238E27FC236}">
+                <a16:creationId xmlns:a16="http://schemas.microsoft.com/office/drawing/2014/main" id="{05C23C2C-CC80-4767-948C-AC12A22C551F}"/>
+              </a:ext>
+            </a:extLst>
+          </p:cNvPr>
+          <p:cNvCxnSpPr>
+            <a:cxnSpLocks/>
+          </p:cNvCxnSpPr>
+          <p:nvPr/>
+        </p:nvCxnSpPr>
+        <p:spPr>
+          <a:xfrm>
+            <a:off x="1394482" y="1444731"/>
+            <a:ext cx="1314435" cy="1522255"/>
+          </a:xfrm>
+          <a:prstGeom prst="straightConnector1">
+            <a:avLst/>
+          </a:prstGeom>
+          <a:ln>
+            <a:tailEnd type="triangle"/>
+          </a:ln>
+        </p:spPr>
+        <p:style>
+          <a:lnRef idx="1">
+            <a:schemeClr val="dk1"/>
+          </a:lnRef>
+          <a:fillRef idx="0">
+            <a:schemeClr val="dk1"/>
+          </a:fillRef>
+          <a:effectRef idx="0">
+            <a:schemeClr val="dk1"/>
+          </a:effectRef>
+          <a:fontRef idx="minor">
+            <a:schemeClr val="tx1"/>
+          </a:fontRef>
+        </p:style>
+      </p:cxnSp>
+      <p:cxnSp>
+        <p:nvCxnSpPr>
+          <p:cNvPr id="29" name="Straight Arrow Connector 28">
+            <a:extLst>
+              <a:ext uri="{FF2B5EF4-FFF2-40B4-BE49-F238E27FC236}">
+                <a16:creationId xmlns:a16="http://schemas.microsoft.com/office/drawing/2014/main" id="{5ED69D1B-461E-428E-8C17-1DC7901B97BF}"/>
+              </a:ext>
+            </a:extLst>
+          </p:cNvPr>
+          <p:cNvCxnSpPr>
+            <a:cxnSpLocks/>
+            <a:stCxn id="20" idx="1"/>
+            <a:endCxn id="4" idx="3"/>
+          </p:cNvCxnSpPr>
+          <p:nvPr/>
+        </p:nvCxnSpPr>
+        <p:spPr>
+          <a:xfrm flipH="1" flipV="1">
+            <a:off x="3707002" y="3390507"/>
+            <a:ext cx="1414269" cy="251"/>
+          </a:xfrm>
+          <a:prstGeom prst="straightConnector1">
+            <a:avLst/>
+          </a:prstGeom>
+          <a:ln>
+            <a:tailEnd type="triangle"/>
+          </a:ln>
+        </p:spPr>
+        <p:style>
+          <a:lnRef idx="1">
+            <a:schemeClr val="dk1"/>
+          </a:lnRef>
+          <a:fillRef idx="0">
+            <a:schemeClr val="dk1"/>
+          </a:fillRef>
+          <a:effectRef idx="0">
+            <a:schemeClr val="dk1"/>
+          </a:effectRef>
+          <a:fontRef idx="minor">
+            <a:schemeClr val="tx1"/>
+          </a:fontRef>
+        </p:style>
+      </p:cxnSp>
+      <p:cxnSp>
+        <p:nvCxnSpPr>
+          <p:cNvPr id="30" name="Straight Arrow Connector 29">
+            <a:extLst>
+              <a:ext uri="{FF2B5EF4-FFF2-40B4-BE49-F238E27FC236}">
+                <a16:creationId xmlns:a16="http://schemas.microsoft.com/office/drawing/2014/main" id="{E1E944A6-FE10-4174-AA18-AB359F4A7BC9}"/>
+              </a:ext>
+            </a:extLst>
+          </p:cNvPr>
+          <p:cNvCxnSpPr>
+            <a:cxnSpLocks/>
+            <a:stCxn id="4" idx="1"/>
+            <a:endCxn id="24" idx="3"/>
+          </p:cNvCxnSpPr>
+          <p:nvPr/>
+        </p:nvCxnSpPr>
+        <p:spPr>
+          <a:xfrm flipH="1">
+            <a:off x="1402053" y="3390507"/>
+            <a:ext cx="1306864" cy="1910"/>
+          </a:xfrm>
+          <a:prstGeom prst="straightConnector1">
+            <a:avLst/>
+          </a:prstGeom>
+          <a:ln>
+            <a:tailEnd type="triangle"/>
+          </a:ln>
+        </p:spPr>
+        <p:style>
+          <a:lnRef idx="1">
+            <a:schemeClr val="dk1"/>
+          </a:lnRef>
+          <a:fillRef idx="0">
+            <a:schemeClr val="dk1"/>
+          </a:fillRef>
+          <a:effectRef idx="0">
+            <a:schemeClr val="dk1"/>
+          </a:effectRef>
+          <a:fontRef idx="minor">
+            <a:schemeClr val="tx1"/>
+          </a:fontRef>
+        </p:style>
+      </p:cxnSp>
+      <p:cxnSp>
+        <p:nvCxnSpPr>
+          <p:cNvPr id="31" name="Straight Arrow Connector 30">
+            <a:extLst>
+              <a:ext uri="{FF2B5EF4-FFF2-40B4-BE49-F238E27FC236}">
+                <a16:creationId xmlns:a16="http://schemas.microsoft.com/office/drawing/2014/main" id="{0C1EA31D-54BA-4434-A15D-6DF48DFDE2BA}"/>
+              </a:ext>
+            </a:extLst>
+          </p:cNvPr>
+          <p:cNvCxnSpPr>
+            <a:cxnSpLocks/>
+            <a:stCxn id="12" idx="2"/>
+            <a:endCxn id="4" idx="0"/>
+          </p:cNvCxnSpPr>
+          <p:nvPr/>
+        </p:nvCxnSpPr>
+        <p:spPr>
+          <a:xfrm>
+            <a:off x="3206574" y="1894951"/>
+            <a:ext cx="1386" cy="1072035"/>
+          </a:xfrm>
+          <a:prstGeom prst="straightConnector1">
+            <a:avLst/>
+          </a:prstGeom>
+          <a:ln>
+            <a:tailEnd type="triangle"/>
+          </a:ln>
+        </p:spPr>
+        <p:style>
+          <a:lnRef idx="1">
+            <a:schemeClr val="dk1"/>
+          </a:lnRef>
+          <a:fillRef idx="0">
+            <a:schemeClr val="dk1"/>
+          </a:fillRef>
+          <a:effectRef idx="0">
+            <a:schemeClr val="dk1"/>
+          </a:effectRef>
+          <a:fontRef idx="minor">
+            <a:schemeClr val="tx1"/>
+          </a:fontRef>
+        </p:style>
+      </p:cxnSp>
+      <p:cxnSp>
+        <p:nvCxnSpPr>
+          <p:cNvPr id="32" name="Straight Arrow Connector 31">
+            <a:extLst>
+              <a:ext uri="{FF2B5EF4-FFF2-40B4-BE49-F238E27FC236}">
+                <a16:creationId xmlns:a16="http://schemas.microsoft.com/office/drawing/2014/main" id="{BAD48563-BF14-416B-A282-E147F88D949E}"/>
+              </a:ext>
+            </a:extLst>
+          </p:cNvPr>
+          <p:cNvCxnSpPr>
+            <a:cxnSpLocks/>
+            <a:stCxn id="12" idx="3"/>
+            <a:endCxn id="16" idx="1"/>
+          </p:cNvCxnSpPr>
+          <p:nvPr/>
+        </p:nvCxnSpPr>
+        <p:spPr>
+          <a:xfrm>
+            <a:off x="3731810" y="1070275"/>
+            <a:ext cx="1475942" cy="251"/>
+          </a:xfrm>
+          <a:prstGeom prst="straightConnector1">
+            <a:avLst/>
+          </a:prstGeom>
+          <a:ln>
+            <a:tailEnd type="triangle"/>
+          </a:ln>
+        </p:spPr>
+        <p:style>
+          <a:lnRef idx="1">
+            <a:schemeClr val="dk1"/>
+          </a:lnRef>
+          <a:fillRef idx="0">
+            <a:schemeClr val="dk1"/>
+          </a:fillRef>
+          <a:effectRef idx="0">
+            <a:schemeClr val="dk1"/>
+          </a:effectRef>
+          <a:fontRef idx="minor">
+            <a:schemeClr val="tx1"/>
+          </a:fontRef>
+        </p:style>
+      </p:cxnSp>
+      <p:cxnSp>
+        <p:nvCxnSpPr>
+          <p:cNvPr id="33" name="Straight Arrow Connector 32">
+            <a:extLst>
+              <a:ext uri="{FF2B5EF4-FFF2-40B4-BE49-F238E27FC236}">
+                <a16:creationId xmlns:a16="http://schemas.microsoft.com/office/drawing/2014/main" id="{0EF701E7-22DA-4E9B-BA99-2FEC49DB067B}"/>
+              </a:ext>
+            </a:extLst>
+          </p:cNvPr>
+          <p:cNvCxnSpPr>
+            <a:stCxn id="20" idx="0"/>
+            <a:endCxn id="16" idx="2"/>
+          </p:cNvCxnSpPr>
+          <p:nvPr/>
+        </p:nvCxnSpPr>
+        <p:spPr>
+          <a:xfrm flipV="1">
+            <a:off x="5646507" y="1542627"/>
+            <a:ext cx="756" cy="825580"/>
+          </a:xfrm>
+          <a:prstGeom prst="straightConnector1">
+            <a:avLst/>
+          </a:prstGeom>
+          <a:ln>
+            <a:tailEnd type="triangle"/>
+          </a:ln>
+        </p:spPr>
+        <p:style>
+          <a:lnRef idx="1">
+            <a:schemeClr val="dk1"/>
+          </a:lnRef>
+          <a:fillRef idx="0">
+            <a:schemeClr val="dk1"/>
+          </a:fillRef>
+          <a:effectRef idx="0">
+            <a:schemeClr val="dk1"/>
+          </a:effectRef>
+          <a:fontRef idx="minor">
+            <a:schemeClr val="tx1"/>
+          </a:fontRef>
+        </p:style>
+      </p:cxnSp>
+      <p:sp>
+        <p:nvSpPr>
+          <p:cNvPr id="34" name="TextBox 33">
+            <a:extLst>
+              <a:ext uri="{FF2B5EF4-FFF2-40B4-BE49-F238E27FC236}">
+                <a16:creationId xmlns:a16="http://schemas.microsoft.com/office/drawing/2014/main" id="{161EE109-1BDD-4F2C-A442-D78650E8DF48}"/>
+              </a:ext>
+            </a:extLst>
+          </p:cNvPr>
+          <p:cNvSpPr txBox="1"/>
+          <p:nvPr/>
+        </p:nvSpPr>
+        <p:spPr>
+          <a:xfrm>
+            <a:off x="1975854" y="1973845"/>
+            <a:ext cx="375424" cy="246221"/>
+          </a:xfrm>
+          <a:prstGeom prst="rect">
+            <a:avLst/>
+          </a:prstGeom>
+          <a:noFill/>
+        </p:spPr>
+        <p:txBody>
+          <a:bodyPr wrap="none" rtlCol="0">
+            <a:spAutoFit/>
+          </a:bodyPr>
+          <a:lstStyle/>
+          <a:p>
+            <a:r>
+              <a:rPr lang="en-US" sz="1000" dirty="0"/>
+              <a:t>Has</a:t>
+            </a:r>
+          </a:p>
+        </p:txBody>
+      </p:sp>
+      <p:sp>
+        <p:nvSpPr>
+          <p:cNvPr id="35" name="TextBox 34">
+            <a:extLst>
+              <a:ext uri="{FF2B5EF4-FFF2-40B4-BE49-F238E27FC236}">
+                <a16:creationId xmlns:a16="http://schemas.microsoft.com/office/drawing/2014/main" id="{AE1B50E5-A2F9-4142-9D50-F874B2D7F138}"/>
+              </a:ext>
+            </a:extLst>
+          </p:cNvPr>
+          <p:cNvSpPr txBox="1"/>
+          <p:nvPr/>
+        </p:nvSpPr>
+        <p:spPr>
+          <a:xfrm>
+            <a:off x="2766980" y="2154978"/>
+            <a:ext cx="481222" cy="246221"/>
+          </a:xfrm>
+          <a:prstGeom prst="rect">
+            <a:avLst/>
+          </a:prstGeom>
+          <a:noFill/>
+        </p:spPr>
+        <p:txBody>
+          <a:bodyPr wrap="none" rtlCol="0">
+            <a:spAutoFit/>
+          </a:bodyPr>
+          <a:lstStyle/>
+          <a:p>
+            <a:r>
+              <a:rPr lang="en-US" sz="1000" dirty="0"/>
+              <a:t>Leads</a:t>
+            </a:r>
+          </a:p>
+        </p:txBody>
+      </p:sp>
+      <p:sp>
+        <p:nvSpPr>
+          <p:cNvPr id="36" name="TextBox 35">
+            <a:extLst>
+              <a:ext uri="{FF2B5EF4-FFF2-40B4-BE49-F238E27FC236}">
+                <a16:creationId xmlns:a16="http://schemas.microsoft.com/office/drawing/2014/main" id="{26A88E23-69A8-4495-9C83-100209BC5BC9}"/>
+              </a:ext>
+            </a:extLst>
+          </p:cNvPr>
+          <p:cNvSpPr txBox="1"/>
+          <p:nvPr/>
+        </p:nvSpPr>
+        <p:spPr>
+          <a:xfrm>
+            <a:off x="1698436" y="3168169"/>
+            <a:ext cx="797013" cy="246221"/>
+          </a:xfrm>
+          <a:prstGeom prst="rect">
+            <a:avLst/>
+          </a:prstGeom>
+          <a:noFill/>
+        </p:spPr>
+        <p:txBody>
+          <a:bodyPr wrap="none" rtlCol="0">
+            <a:spAutoFit/>
+          </a:bodyPr>
+          <a:lstStyle/>
+          <a:p>
+            <a:r>
+              <a:rPr lang="en-US" sz="1000" dirty="0"/>
+              <a:t>Participates</a:t>
+            </a:r>
+          </a:p>
+        </p:txBody>
+      </p:sp>
+      <p:sp>
+        <p:nvSpPr>
+          <p:cNvPr id="37" name="TextBox 36">
+            <a:extLst>
+              <a:ext uri="{FF2B5EF4-FFF2-40B4-BE49-F238E27FC236}">
+                <a16:creationId xmlns:a16="http://schemas.microsoft.com/office/drawing/2014/main" id="{3348BFBB-FDE2-488B-A3DF-627D4873CA9C}"/>
+              </a:ext>
+            </a:extLst>
+          </p:cNvPr>
+          <p:cNvSpPr txBox="1"/>
+          <p:nvPr/>
+        </p:nvSpPr>
+        <p:spPr>
+          <a:xfrm>
+            <a:off x="4137877" y="3159577"/>
+            <a:ext cx="508473" cy="246221"/>
+          </a:xfrm>
+          <a:prstGeom prst="rect">
+            <a:avLst/>
+          </a:prstGeom>
+          <a:noFill/>
+        </p:spPr>
+        <p:txBody>
+          <a:bodyPr wrap="none" rtlCol="0">
+            <a:spAutoFit/>
+          </a:bodyPr>
+          <a:lstStyle/>
+          <a:p>
+            <a:r>
+              <a:rPr lang="en-US" sz="1000" dirty="0"/>
+              <a:t>Forms</a:t>
+            </a:r>
+          </a:p>
+        </p:txBody>
+      </p:sp>
+      <p:sp>
+        <p:nvSpPr>
+          <p:cNvPr id="38" name="TextBox 37">
+            <a:extLst>
+              <a:ext uri="{FF2B5EF4-FFF2-40B4-BE49-F238E27FC236}">
+                <a16:creationId xmlns:a16="http://schemas.microsoft.com/office/drawing/2014/main" id="{3934250D-A04D-437D-AF6A-068368616230}"/>
+              </a:ext>
+            </a:extLst>
+          </p:cNvPr>
+          <p:cNvSpPr txBox="1"/>
+          <p:nvPr/>
+        </p:nvSpPr>
+        <p:spPr>
+          <a:xfrm>
+            <a:off x="4130831" y="826583"/>
+            <a:ext cx="732893" cy="246221"/>
+          </a:xfrm>
+          <a:prstGeom prst="rect">
+            <a:avLst/>
+          </a:prstGeom>
+          <a:noFill/>
+        </p:spPr>
+        <p:txBody>
+          <a:bodyPr wrap="none" rtlCol="0">
+            <a:spAutoFit/>
+          </a:bodyPr>
+          <a:lstStyle/>
+          <a:p>
+            <a:r>
+              <a:rPr lang="en-US" sz="1000" dirty="0"/>
+              <a:t>Belongs to</a:t>
+            </a:r>
+          </a:p>
+        </p:txBody>
+      </p:sp>
+      <p:sp>
+        <p:nvSpPr>
+          <p:cNvPr id="39" name="TextBox 38">
+            <a:extLst>
+              <a:ext uri="{FF2B5EF4-FFF2-40B4-BE49-F238E27FC236}">
+                <a16:creationId xmlns:a16="http://schemas.microsoft.com/office/drawing/2014/main" id="{07E35073-AF1F-42FB-B396-1E8368856646}"/>
+              </a:ext>
+            </a:extLst>
+          </p:cNvPr>
+          <p:cNvSpPr txBox="1"/>
+          <p:nvPr/>
+        </p:nvSpPr>
+        <p:spPr>
+          <a:xfrm>
+            <a:off x="5627496" y="1814254"/>
+            <a:ext cx="732893" cy="246221"/>
+          </a:xfrm>
+          <a:prstGeom prst="rect">
+            <a:avLst/>
+          </a:prstGeom>
+          <a:noFill/>
+        </p:spPr>
+        <p:txBody>
+          <a:bodyPr wrap="none" rtlCol="0">
+            <a:spAutoFit/>
+          </a:bodyPr>
+          <a:lstStyle/>
+          <a:p>
+            <a:r>
+              <a:rPr lang="en-US" sz="1000" dirty="0"/>
+              <a:t>Belongs to</a:t>
+            </a:r>
+          </a:p>
+        </p:txBody>
+      </p:sp>
+      <p:sp>
+        <p:nvSpPr>
+          <p:cNvPr id="40" name="TextBox 39">
+            <a:extLst>
+              <a:ext uri="{FF2B5EF4-FFF2-40B4-BE49-F238E27FC236}">
+                <a16:creationId xmlns:a16="http://schemas.microsoft.com/office/drawing/2014/main" id="{D63D4E0D-53B2-4CEE-8785-78C2F728C38E}"/>
+              </a:ext>
+            </a:extLst>
+          </p:cNvPr>
+          <p:cNvSpPr txBox="1"/>
+          <p:nvPr/>
+        </p:nvSpPr>
+        <p:spPr>
+          <a:xfrm>
+            <a:off x="1370700" y="1267986"/>
+            <a:ext cx="380232" cy="246221"/>
+          </a:xfrm>
+          <a:prstGeom prst="rect">
+            <a:avLst/>
+          </a:prstGeom>
+          <a:noFill/>
+        </p:spPr>
+        <p:txBody>
+          <a:bodyPr wrap="none" rtlCol="0">
+            <a:spAutoFit/>
+          </a:bodyPr>
+          <a:lstStyle/>
+          <a:p>
+            <a:r>
+              <a:rPr lang="en-US" sz="1000" dirty="0"/>
+              <a:t>1..1</a:t>
+            </a:r>
+          </a:p>
+        </p:txBody>
+      </p:sp>
+      <p:sp>
+        <p:nvSpPr>
+          <p:cNvPr id="41" name="TextBox 40">
+            <a:extLst>
+              <a:ext uri="{FF2B5EF4-FFF2-40B4-BE49-F238E27FC236}">
+                <a16:creationId xmlns:a16="http://schemas.microsoft.com/office/drawing/2014/main" id="{68C8D6D1-65A8-42C7-9ABC-9C8245756025}"/>
+              </a:ext>
+            </a:extLst>
+          </p:cNvPr>
+          <p:cNvSpPr txBox="1"/>
+          <p:nvPr/>
+        </p:nvSpPr>
+        <p:spPr>
+          <a:xfrm>
+            <a:off x="2491746" y="2639055"/>
+            <a:ext cx="378630" cy="246221"/>
+          </a:xfrm>
+          <a:prstGeom prst="rect">
+            <a:avLst/>
+          </a:prstGeom>
+          <a:noFill/>
+        </p:spPr>
+        <p:txBody>
+          <a:bodyPr wrap="none" rtlCol="0">
+            <a:spAutoFit/>
+          </a:bodyPr>
+          <a:lstStyle/>
+          <a:p>
+            <a:r>
+              <a:rPr lang="en-US" sz="1000" dirty="0"/>
+              <a:t>0..*</a:t>
+            </a:r>
+          </a:p>
+        </p:txBody>
+      </p:sp>
+      <p:sp>
+        <p:nvSpPr>
+          <p:cNvPr id="42" name="TextBox 41">
+            <a:extLst>
+              <a:ext uri="{FF2B5EF4-FFF2-40B4-BE49-F238E27FC236}">
+                <a16:creationId xmlns:a16="http://schemas.microsoft.com/office/drawing/2014/main" id="{8CED46C8-5D67-4A5A-B68A-8B1514B6868C}"/>
+              </a:ext>
+            </a:extLst>
+          </p:cNvPr>
+          <p:cNvSpPr txBox="1"/>
+          <p:nvPr/>
+        </p:nvSpPr>
+        <p:spPr>
+          <a:xfrm>
+            <a:off x="3187642" y="1891199"/>
+            <a:ext cx="380232" cy="246221"/>
+          </a:xfrm>
+          <a:prstGeom prst="rect">
+            <a:avLst/>
+          </a:prstGeom>
+          <a:noFill/>
+        </p:spPr>
+        <p:txBody>
+          <a:bodyPr wrap="none" rtlCol="0">
+            <a:spAutoFit/>
+          </a:bodyPr>
+          <a:lstStyle/>
+          <a:p>
+            <a:r>
+              <a:rPr lang="en-US" sz="1000" dirty="0"/>
+              <a:t>1..1</a:t>
+            </a:r>
+          </a:p>
+        </p:txBody>
+      </p:sp>
+      <p:sp>
+        <p:nvSpPr>
+          <p:cNvPr id="43" name="TextBox 42">
+            <a:extLst>
+              <a:ext uri="{FF2B5EF4-FFF2-40B4-BE49-F238E27FC236}">
+                <a16:creationId xmlns:a16="http://schemas.microsoft.com/office/drawing/2014/main" id="{1162E852-AF42-450B-9144-5BC2A31404CA}"/>
+              </a:ext>
+            </a:extLst>
+          </p:cNvPr>
+          <p:cNvSpPr txBox="1"/>
+          <p:nvPr/>
+        </p:nvSpPr>
+        <p:spPr>
+          <a:xfrm>
+            <a:off x="3234165" y="2704257"/>
+            <a:ext cx="378630" cy="246221"/>
+          </a:xfrm>
+          <a:prstGeom prst="rect">
+            <a:avLst/>
+          </a:prstGeom>
+          <a:noFill/>
+        </p:spPr>
+        <p:txBody>
+          <a:bodyPr wrap="none" rtlCol="0">
+            <a:spAutoFit/>
+          </a:bodyPr>
+          <a:lstStyle/>
+          <a:p>
+            <a:r>
+              <a:rPr lang="en-US" sz="1000" dirty="0"/>
+              <a:t>0..*</a:t>
+            </a:r>
+          </a:p>
+        </p:txBody>
+      </p:sp>
+      <p:sp>
+        <p:nvSpPr>
+          <p:cNvPr id="44" name="TextBox 43">
+            <a:extLst>
+              <a:ext uri="{FF2B5EF4-FFF2-40B4-BE49-F238E27FC236}">
+                <a16:creationId xmlns:a16="http://schemas.microsoft.com/office/drawing/2014/main" id="{C556063E-3718-480D-B49A-82BED988A21F}"/>
+              </a:ext>
+            </a:extLst>
+          </p:cNvPr>
+          <p:cNvSpPr txBox="1"/>
+          <p:nvPr/>
+        </p:nvSpPr>
+        <p:spPr>
+          <a:xfrm>
+            <a:off x="4778675" y="3368485"/>
+            <a:ext cx="378630" cy="246221"/>
+          </a:xfrm>
+          <a:prstGeom prst="rect">
+            <a:avLst/>
+          </a:prstGeom>
+          <a:noFill/>
+        </p:spPr>
+        <p:txBody>
+          <a:bodyPr wrap="none" rtlCol="0">
+            <a:spAutoFit/>
+          </a:bodyPr>
+          <a:lstStyle/>
+          <a:p>
+            <a:r>
+              <a:rPr lang="en-US" sz="1000" dirty="0"/>
+              <a:t>1..*</a:t>
+            </a:r>
+          </a:p>
+        </p:txBody>
+      </p:sp>
+      <p:sp>
+        <p:nvSpPr>
+          <p:cNvPr id="45" name="TextBox 44">
+            <a:extLst>
+              <a:ext uri="{FF2B5EF4-FFF2-40B4-BE49-F238E27FC236}">
+                <a16:creationId xmlns:a16="http://schemas.microsoft.com/office/drawing/2014/main" id="{35A5C429-4190-4A2B-BE63-B738BCBEB20A}"/>
+              </a:ext>
+            </a:extLst>
+          </p:cNvPr>
+          <p:cNvSpPr txBox="1"/>
+          <p:nvPr/>
+        </p:nvSpPr>
+        <p:spPr>
+          <a:xfrm>
+            <a:off x="3662956" y="3392332"/>
+            <a:ext cx="378630" cy="246221"/>
+          </a:xfrm>
+          <a:prstGeom prst="rect">
+            <a:avLst/>
+          </a:prstGeom>
+          <a:noFill/>
+        </p:spPr>
+        <p:txBody>
+          <a:bodyPr wrap="none" rtlCol="0">
+            <a:spAutoFit/>
+          </a:bodyPr>
+          <a:lstStyle/>
+          <a:p>
+            <a:r>
+              <a:rPr lang="en-US" sz="1000" dirty="0"/>
+              <a:t>1..*</a:t>
+            </a:r>
+          </a:p>
+        </p:txBody>
+      </p:sp>
+      <p:sp>
+        <p:nvSpPr>
+          <p:cNvPr id="46" name="TextBox 45">
+            <a:extLst>
+              <a:ext uri="{FF2B5EF4-FFF2-40B4-BE49-F238E27FC236}">
+                <a16:creationId xmlns:a16="http://schemas.microsoft.com/office/drawing/2014/main" id="{F3D0FF0C-FBF3-472A-BDDB-C73DEAF4EC67}"/>
+              </a:ext>
+            </a:extLst>
+          </p:cNvPr>
+          <p:cNvSpPr txBox="1"/>
+          <p:nvPr/>
+        </p:nvSpPr>
+        <p:spPr>
+          <a:xfrm>
+            <a:off x="1390939" y="3397259"/>
+            <a:ext cx="378630" cy="246221"/>
+          </a:xfrm>
+          <a:prstGeom prst="rect">
+            <a:avLst/>
+          </a:prstGeom>
+          <a:noFill/>
+        </p:spPr>
+        <p:txBody>
+          <a:bodyPr wrap="none" rtlCol="0">
+            <a:spAutoFit/>
+          </a:bodyPr>
+          <a:lstStyle/>
+          <a:p>
+            <a:r>
+              <a:rPr lang="en-US" sz="1000" dirty="0"/>
+              <a:t>0..*</a:t>
+            </a:r>
+          </a:p>
+        </p:txBody>
+      </p:sp>
+      <p:sp>
+        <p:nvSpPr>
+          <p:cNvPr id="47" name="TextBox 46">
+            <a:extLst>
+              <a:ext uri="{FF2B5EF4-FFF2-40B4-BE49-F238E27FC236}">
+                <a16:creationId xmlns:a16="http://schemas.microsoft.com/office/drawing/2014/main" id="{7F095E94-8E67-4652-97DF-0809FF7DDC59}"/>
+              </a:ext>
+            </a:extLst>
+          </p:cNvPr>
+          <p:cNvSpPr txBox="1"/>
+          <p:nvPr/>
+        </p:nvSpPr>
+        <p:spPr>
+          <a:xfrm>
+            <a:off x="2458527" y="3402972"/>
+            <a:ext cx="250390" cy="246221"/>
+          </a:xfrm>
+          <a:prstGeom prst="rect">
+            <a:avLst/>
+          </a:prstGeom>
+          <a:noFill/>
+        </p:spPr>
+        <p:txBody>
+          <a:bodyPr wrap="none" rtlCol="0">
+            <a:spAutoFit/>
+          </a:bodyPr>
+          <a:lstStyle/>
+          <a:p>
+            <a:r>
+              <a:rPr lang="en-US" sz="1000" dirty="0"/>
+              <a:t>2</a:t>
+            </a:r>
+          </a:p>
+        </p:txBody>
+      </p:sp>
+      <p:sp>
+        <p:nvSpPr>
+          <p:cNvPr id="48" name="TextBox 47">
+            <a:extLst>
+              <a:ext uri="{FF2B5EF4-FFF2-40B4-BE49-F238E27FC236}">
+                <a16:creationId xmlns:a16="http://schemas.microsoft.com/office/drawing/2014/main" id="{7F118463-A61C-4323-A9D2-7BE5D53F7B83}"/>
+              </a:ext>
+            </a:extLst>
+          </p:cNvPr>
+          <p:cNvSpPr txBox="1"/>
+          <p:nvPr/>
+        </p:nvSpPr>
+        <p:spPr>
+          <a:xfrm>
+            <a:off x="4827518" y="819223"/>
+            <a:ext cx="380232" cy="246221"/>
+          </a:xfrm>
+          <a:prstGeom prst="rect">
+            <a:avLst/>
+          </a:prstGeom>
+          <a:noFill/>
+        </p:spPr>
+        <p:txBody>
+          <a:bodyPr wrap="none" rtlCol="0">
+            <a:spAutoFit/>
+          </a:bodyPr>
+          <a:lstStyle/>
+          <a:p>
+            <a:r>
+              <a:rPr lang="en-US" sz="1000" dirty="0"/>
+              <a:t>1..1</a:t>
+            </a:r>
+          </a:p>
+        </p:txBody>
+      </p:sp>
+      <p:sp>
+        <p:nvSpPr>
+          <p:cNvPr id="49" name="TextBox 48">
+            <a:extLst>
+              <a:ext uri="{FF2B5EF4-FFF2-40B4-BE49-F238E27FC236}">
+                <a16:creationId xmlns:a16="http://schemas.microsoft.com/office/drawing/2014/main" id="{842B6CAF-3436-46E1-AE22-C5C0F9B8EDAE}"/>
+              </a:ext>
+            </a:extLst>
+          </p:cNvPr>
+          <p:cNvSpPr txBox="1"/>
+          <p:nvPr/>
+        </p:nvSpPr>
+        <p:spPr>
+          <a:xfrm>
+            <a:off x="5266275" y="1562392"/>
+            <a:ext cx="380232" cy="246221"/>
+          </a:xfrm>
+          <a:prstGeom prst="rect">
+            <a:avLst/>
+          </a:prstGeom>
+          <a:noFill/>
+        </p:spPr>
+        <p:txBody>
+          <a:bodyPr wrap="none" rtlCol="0">
+            <a:spAutoFit/>
+          </a:bodyPr>
+          <a:lstStyle/>
+          <a:p>
+            <a:r>
+              <a:rPr lang="en-US" sz="1000" dirty="0"/>
+              <a:t>1..1</a:t>
+            </a:r>
+          </a:p>
+        </p:txBody>
+      </p:sp>
+      <p:sp>
+        <p:nvSpPr>
+          <p:cNvPr id="50" name="TextBox 49">
+            <a:extLst>
+              <a:ext uri="{FF2B5EF4-FFF2-40B4-BE49-F238E27FC236}">
+                <a16:creationId xmlns:a16="http://schemas.microsoft.com/office/drawing/2014/main" id="{45D3115D-B8E7-4D13-9125-6288644A31F7}"/>
+              </a:ext>
+            </a:extLst>
+          </p:cNvPr>
+          <p:cNvSpPr txBox="1"/>
+          <p:nvPr/>
+        </p:nvSpPr>
+        <p:spPr>
+          <a:xfrm>
+            <a:off x="5267877" y="2102310"/>
+            <a:ext cx="378630" cy="246221"/>
+          </a:xfrm>
+          <a:prstGeom prst="rect">
+            <a:avLst/>
+          </a:prstGeom>
+          <a:noFill/>
+        </p:spPr>
+        <p:txBody>
+          <a:bodyPr wrap="none" rtlCol="0">
+            <a:spAutoFit/>
+          </a:bodyPr>
+          <a:lstStyle/>
+          <a:p>
+            <a:r>
+              <a:rPr lang="en-US" sz="1000" dirty="0"/>
+              <a:t>1..*</a:t>
+            </a:r>
+          </a:p>
+        </p:txBody>
+      </p:sp>
+      <p:sp>
+        <p:nvSpPr>
+          <p:cNvPr id="51" name="TextBox 50">
+            <a:extLst>
+              <a:ext uri="{FF2B5EF4-FFF2-40B4-BE49-F238E27FC236}">
+                <a16:creationId xmlns:a16="http://schemas.microsoft.com/office/drawing/2014/main" id="{0E3AC094-8AF0-4CA2-B466-898391C9EA63}"/>
+              </a:ext>
+            </a:extLst>
+          </p:cNvPr>
+          <p:cNvSpPr txBox="1"/>
+          <p:nvPr/>
+        </p:nvSpPr>
+        <p:spPr>
+          <a:xfrm>
+            <a:off x="3702086" y="803012"/>
+            <a:ext cx="378630" cy="246221"/>
+          </a:xfrm>
+          <a:prstGeom prst="rect">
+            <a:avLst/>
+          </a:prstGeom>
+          <a:noFill/>
+        </p:spPr>
+        <p:txBody>
+          <a:bodyPr wrap="none" rtlCol="0">
+            <a:spAutoFit/>
+          </a:bodyPr>
+          <a:lstStyle/>
+          <a:p>
+            <a:r>
+              <a:rPr lang="en-US" sz="1000" dirty="0"/>
+              <a:t>1..*</a:t>
+            </a:r>
+          </a:p>
+        </p:txBody>
+      </p:sp>
+      <p:cxnSp>
+        <p:nvCxnSpPr>
+          <p:cNvPr id="52" name="Straight Arrow Connector 51">
+            <a:extLst>
+              <a:ext uri="{FF2B5EF4-FFF2-40B4-BE49-F238E27FC236}">
+                <a16:creationId xmlns:a16="http://schemas.microsoft.com/office/drawing/2014/main" id="{672B419C-9BEC-4C79-B1CC-AA2DE0E0D662}"/>
+              </a:ext>
+            </a:extLst>
+          </p:cNvPr>
+          <p:cNvCxnSpPr>
+            <a:cxnSpLocks/>
+            <a:stCxn id="8" idx="2"/>
+            <a:endCxn id="24" idx="0"/>
+          </p:cNvCxnSpPr>
+          <p:nvPr/>
+        </p:nvCxnSpPr>
+        <p:spPr>
+          <a:xfrm>
+            <a:off x="896313" y="1449823"/>
+            <a:ext cx="1808" cy="1442128"/>
+          </a:xfrm>
+          <a:prstGeom prst="straightConnector1">
+            <a:avLst/>
+          </a:prstGeom>
+          <a:ln>
+            <a:tailEnd type="triangle"/>
+          </a:ln>
+        </p:spPr>
+        <p:style>
+          <a:lnRef idx="1">
+            <a:schemeClr val="dk1"/>
+          </a:lnRef>
+          <a:fillRef idx="0">
+            <a:schemeClr val="dk1"/>
+          </a:fillRef>
+          <a:effectRef idx="0">
+            <a:schemeClr val="dk1"/>
+          </a:effectRef>
+          <a:fontRef idx="minor">
+            <a:schemeClr val="tx1"/>
+          </a:fontRef>
+        </p:style>
+      </p:cxnSp>
+      <p:sp>
+        <p:nvSpPr>
+          <p:cNvPr id="53" name="TextBox 52">
+            <a:extLst>
+              <a:ext uri="{FF2B5EF4-FFF2-40B4-BE49-F238E27FC236}">
+                <a16:creationId xmlns:a16="http://schemas.microsoft.com/office/drawing/2014/main" id="{E599D9E5-2A75-4AE5-B281-8847B04993C1}"/>
+              </a:ext>
+            </a:extLst>
+          </p:cNvPr>
+          <p:cNvSpPr txBox="1"/>
+          <p:nvPr/>
+        </p:nvSpPr>
+        <p:spPr>
+          <a:xfrm>
+            <a:off x="881422" y="2031867"/>
+            <a:ext cx="375424" cy="246221"/>
+          </a:xfrm>
+          <a:prstGeom prst="rect">
+            <a:avLst/>
+          </a:prstGeom>
+          <a:noFill/>
+        </p:spPr>
+        <p:txBody>
+          <a:bodyPr wrap="none" rtlCol="0">
+            <a:spAutoFit/>
+          </a:bodyPr>
+          <a:lstStyle/>
+          <a:p>
+            <a:r>
+              <a:rPr lang="en-US" sz="1000" dirty="0"/>
+              <a:t>Has</a:t>
+            </a:r>
+          </a:p>
+        </p:txBody>
+      </p:sp>
+      <p:sp>
+        <p:nvSpPr>
+          <p:cNvPr id="54" name="TextBox 53">
+            <a:extLst>
+              <a:ext uri="{FF2B5EF4-FFF2-40B4-BE49-F238E27FC236}">
+                <a16:creationId xmlns:a16="http://schemas.microsoft.com/office/drawing/2014/main" id="{F6298C9E-A47F-4C4D-AF5F-0B4DE5DC62FE}"/>
+              </a:ext>
+            </a:extLst>
+          </p:cNvPr>
+          <p:cNvSpPr txBox="1"/>
+          <p:nvPr/>
+        </p:nvSpPr>
+        <p:spPr>
+          <a:xfrm>
+            <a:off x="861219" y="1448933"/>
+            <a:ext cx="380232" cy="246221"/>
+          </a:xfrm>
+          <a:prstGeom prst="rect">
+            <a:avLst/>
+          </a:prstGeom>
+          <a:noFill/>
+        </p:spPr>
+        <p:txBody>
+          <a:bodyPr wrap="none" rtlCol="0">
+            <a:spAutoFit/>
+          </a:bodyPr>
+          <a:lstStyle/>
+          <a:p>
+            <a:r>
+              <a:rPr lang="en-US" sz="1000" dirty="0"/>
+              <a:t>1..1</a:t>
+            </a:r>
+          </a:p>
+        </p:txBody>
+      </p:sp>
+      <p:sp>
+        <p:nvSpPr>
+          <p:cNvPr id="55" name="TextBox 54">
+            <a:extLst>
+              <a:ext uri="{FF2B5EF4-FFF2-40B4-BE49-F238E27FC236}">
+                <a16:creationId xmlns:a16="http://schemas.microsoft.com/office/drawing/2014/main" id="{BB78C42C-CA19-4D34-BABA-DBCE3288A762}"/>
+              </a:ext>
+            </a:extLst>
+          </p:cNvPr>
+          <p:cNvSpPr txBox="1"/>
+          <p:nvPr/>
+        </p:nvSpPr>
+        <p:spPr>
+          <a:xfrm>
+            <a:off x="880046" y="2639055"/>
+            <a:ext cx="378630" cy="246221"/>
+          </a:xfrm>
+          <a:prstGeom prst="rect">
+            <a:avLst/>
+          </a:prstGeom>
+          <a:noFill/>
+        </p:spPr>
+        <p:txBody>
+          <a:bodyPr wrap="none" rtlCol="0">
+            <a:spAutoFit/>
+          </a:bodyPr>
+          <a:lstStyle/>
+          <a:p>
+            <a:r>
+              <a:rPr lang="en-US" sz="1000" dirty="0"/>
+              <a:t>0..*</a:t>
+            </a:r>
+          </a:p>
+        </p:txBody>
+      </p:sp>
+    </p:spTree>
+    <p:extLst>
+      <p:ext uri="{BB962C8B-B14F-4D97-AF65-F5344CB8AC3E}">
+        <p14:creationId xmlns:p14="http://schemas.microsoft.com/office/powerpoint/2010/main" val="3302053345"/>
       </p:ext>
     </p:extLst>
   </p:cSld>

--- a/User_flow.pptx
+++ b/User_flow.pptx
@@ -6195,7 +6195,7 @@
           <a:p>
             <a:r>
               <a:rPr lang="en-US" sz="1000" b="1" dirty="0"/>
-              <a:t>Troops</a:t>
+              <a:t>Troop</a:t>
             </a:r>
             <a:endParaRPr lang="en-US" b="1" dirty="0"/>
           </a:p>
@@ -6360,7 +6360,7 @@
           <a:p>
             <a:r>
               <a:rPr lang="en-US" sz="1000" b="1" dirty="0"/>
-              <a:t>Users</a:t>
+              <a:t>User</a:t>
             </a:r>
             <a:endParaRPr lang="en-US" b="1" dirty="0"/>
           </a:p>
@@ -6525,7 +6525,7 @@
           <a:p>
             <a:r>
               <a:rPr lang="en-US" sz="1000" b="1" dirty="0"/>
-              <a:t>Lords</a:t>
+              <a:t>Lord</a:t>
             </a:r>
             <a:endParaRPr lang="en-US" b="1" dirty="0"/>
           </a:p>
@@ -6718,7 +6718,7 @@
           <a:p>
             <a:r>
               <a:rPr lang="en-US" sz="1000" b="1" dirty="0"/>
-              <a:t>Races</a:t>
+              <a:t>Race</a:t>
             </a:r>
             <a:endParaRPr lang="en-US" b="1" dirty="0"/>
           </a:p>
@@ -6883,7 +6883,7 @@
           <a:p>
             <a:r>
               <a:rPr lang="en-US" sz="1000" b="1" dirty="0"/>
-              <a:t>Arms</a:t>
+              <a:t>Arm</a:t>
             </a:r>
             <a:endParaRPr lang="en-US" b="1" dirty="0"/>
           </a:p>
@@ -7079,8 +7079,8 @@
         </p:nvSpPr>
         <p:spPr>
           <a:xfrm>
-            <a:off x="553233" y="2898802"/>
-            <a:ext cx="907597" cy="246221"/>
+            <a:off x="350257" y="2901116"/>
+            <a:ext cx="625486" cy="246221"/>
           </a:xfrm>
           <a:prstGeom prst="rect">
             <a:avLst/>
@@ -7095,7 +7095,7 @@
           <a:p>
             <a:r>
               <a:rPr lang="en-US" sz="1000" b="1" dirty="0"/>
-              <a:t>Wartests</a:t>
+              <a:t>Wartest</a:t>
             </a:r>
             <a:endParaRPr lang="en-US" b="1" dirty="0"/>
           </a:p>
@@ -7592,7 +7592,7 @@
         </p:nvSpPr>
         <p:spPr>
           <a:xfrm>
-            <a:off x="5627496" y="1814254"/>
+            <a:off x="4991913" y="1832237"/>
             <a:ext cx="732893" cy="246221"/>
           </a:xfrm>
           <a:prstGeom prst="rect">

--- a/User_flow.pptx
+++ b/User_flow.pptx
@@ -7243,14 +7243,12 @@
           </p:cNvPr>
           <p:cNvCxnSpPr>
             <a:cxnSpLocks/>
-            <a:stCxn id="4" idx="1"/>
-            <a:endCxn id="24" idx="3"/>
           </p:cNvCxnSpPr>
           <p:nvPr/>
         </p:nvCxnSpPr>
         <p:spPr>
           <a:xfrm flipH="1">
-            <a:off x="1402053" y="3390507"/>
+            <a:off x="1402053" y="3145911"/>
             <a:ext cx="1306864" cy="1910"/>
           </a:xfrm>
           <a:prstGeom prst="straightConnector1">
@@ -7487,7 +7485,7 @@
         </p:nvSpPr>
         <p:spPr>
           <a:xfrm>
-            <a:off x="1698436" y="3168169"/>
+            <a:off x="1698436" y="2923573"/>
             <a:ext cx="797013" cy="246221"/>
           </a:xfrm>
           <a:prstGeom prst="rect">
@@ -7837,7 +7835,7 @@
         </p:nvSpPr>
         <p:spPr>
           <a:xfrm>
-            <a:off x="1390939" y="3397259"/>
+            <a:off x="1390939" y="3152663"/>
             <a:ext cx="378630" cy="246221"/>
           </a:xfrm>
           <a:prstGeom prst="rect">
@@ -7872,7 +7870,7 @@
         </p:nvSpPr>
         <p:spPr>
           <a:xfrm>
-            <a:off x="2458527" y="3402972"/>
+            <a:off x="2472729" y="3127512"/>
             <a:ext cx="250390" cy="246221"/>
           </a:xfrm>
           <a:prstGeom prst="rect">
@@ -8177,6 +8175,153 @@
             <a:r>
               <a:rPr lang="en-US" sz="1000" dirty="0"/>
               <a:t>0..*</a:t>
+            </a:r>
+          </a:p>
+        </p:txBody>
+      </p:sp>
+      <p:cxnSp>
+        <p:nvCxnSpPr>
+          <p:cNvPr id="56" name="Straight Arrow Connector 55">
+            <a:extLst>
+              <a:ext uri="{FF2B5EF4-FFF2-40B4-BE49-F238E27FC236}">
+                <a16:creationId xmlns:a16="http://schemas.microsoft.com/office/drawing/2014/main" id="{B0174259-2CE0-4F32-8324-7F1D9A39917C}"/>
+              </a:ext>
+            </a:extLst>
+          </p:cNvPr>
+          <p:cNvCxnSpPr>
+            <a:cxnSpLocks/>
+          </p:cNvCxnSpPr>
+          <p:nvPr/>
+        </p:nvCxnSpPr>
+        <p:spPr>
+          <a:xfrm flipH="1">
+            <a:off x="1408598" y="3668583"/>
+            <a:ext cx="1306864" cy="1910"/>
+          </a:xfrm>
+          <a:prstGeom prst="straightConnector1">
+            <a:avLst/>
+          </a:prstGeom>
+          <a:ln>
+            <a:tailEnd type="triangle"/>
+          </a:ln>
+        </p:spPr>
+        <p:style>
+          <a:lnRef idx="1">
+            <a:schemeClr val="dk1"/>
+          </a:lnRef>
+          <a:fillRef idx="0">
+            <a:schemeClr val="dk1"/>
+          </a:fillRef>
+          <a:effectRef idx="0">
+            <a:schemeClr val="dk1"/>
+          </a:effectRef>
+          <a:fontRef idx="minor">
+            <a:schemeClr val="tx1"/>
+          </a:fontRef>
+        </p:style>
+      </p:cxnSp>
+      <p:sp>
+        <p:nvSpPr>
+          <p:cNvPr id="58" name="TextBox 57">
+            <a:extLst>
+              <a:ext uri="{FF2B5EF4-FFF2-40B4-BE49-F238E27FC236}">
+                <a16:creationId xmlns:a16="http://schemas.microsoft.com/office/drawing/2014/main" id="{5C0C09EA-EC84-450B-B8FA-C53C0DB81BBC}"/>
+              </a:ext>
+            </a:extLst>
+          </p:cNvPr>
+          <p:cNvSpPr txBox="1"/>
+          <p:nvPr/>
+        </p:nvSpPr>
+        <p:spPr>
+          <a:xfrm>
+            <a:off x="1855265" y="3471490"/>
+            <a:ext cx="444352" cy="246221"/>
+          </a:xfrm>
+          <a:prstGeom prst="rect">
+            <a:avLst/>
+          </a:prstGeom>
+          <a:noFill/>
+        </p:spPr>
+        <p:txBody>
+          <a:bodyPr wrap="none" rtlCol="0">
+            <a:spAutoFit/>
+          </a:bodyPr>
+          <a:lstStyle/>
+          <a:p>
+            <a:r>
+              <a:rPr lang="en-US" altLang="zh-CN" sz="1000" dirty="0"/>
+              <a:t>Wins</a:t>
+            </a:r>
+            <a:endParaRPr lang="en-US" sz="1000" dirty="0"/>
+          </a:p>
+        </p:txBody>
+      </p:sp>
+      <p:sp>
+        <p:nvSpPr>
+          <p:cNvPr id="59" name="TextBox 58">
+            <a:extLst>
+              <a:ext uri="{FF2B5EF4-FFF2-40B4-BE49-F238E27FC236}">
+                <a16:creationId xmlns:a16="http://schemas.microsoft.com/office/drawing/2014/main" id="{AE0C2645-3D50-426E-8845-2830C8379E6C}"/>
+              </a:ext>
+            </a:extLst>
+          </p:cNvPr>
+          <p:cNvSpPr txBox="1"/>
+          <p:nvPr/>
+        </p:nvSpPr>
+        <p:spPr>
+          <a:xfrm>
+            <a:off x="1389952" y="3684958"/>
+            <a:ext cx="378630" cy="246221"/>
+          </a:xfrm>
+          <a:prstGeom prst="rect">
+            <a:avLst/>
+          </a:prstGeom>
+          <a:noFill/>
+        </p:spPr>
+        <p:txBody>
+          <a:bodyPr wrap="none" rtlCol="0">
+            <a:spAutoFit/>
+          </a:bodyPr>
+          <a:lstStyle/>
+          <a:p>
+            <a:r>
+              <a:rPr lang="en-US" sz="1000" dirty="0"/>
+              <a:t>0..*</a:t>
+            </a:r>
+          </a:p>
+        </p:txBody>
+      </p:sp>
+      <p:sp>
+        <p:nvSpPr>
+          <p:cNvPr id="60" name="TextBox 59">
+            <a:extLst>
+              <a:ext uri="{FF2B5EF4-FFF2-40B4-BE49-F238E27FC236}">
+                <a16:creationId xmlns:a16="http://schemas.microsoft.com/office/drawing/2014/main" id="{D3752B4D-FFE8-4C5A-BB04-F6526A492182}"/>
+              </a:ext>
+            </a:extLst>
+          </p:cNvPr>
+          <p:cNvSpPr txBox="1"/>
+          <p:nvPr/>
+        </p:nvSpPr>
+        <p:spPr>
+          <a:xfrm>
+            <a:off x="2360551" y="3664844"/>
+            <a:ext cx="380232" cy="246221"/>
+          </a:xfrm>
+          <a:prstGeom prst="rect">
+            <a:avLst/>
+          </a:prstGeom>
+          <a:noFill/>
+        </p:spPr>
+        <p:txBody>
+          <a:bodyPr wrap="none" rtlCol="0">
+            <a:spAutoFit/>
+          </a:bodyPr>
+          <a:lstStyle/>
+          <a:p>
+            <a:r>
+              <a:rPr lang="en-US" sz="1000" dirty="0"/>
+              <a:t>1..1</a:t>
             </a:r>
           </a:p>
         </p:txBody>

--- a/User_flow.pptx
+++ b/User_flow.pptx
@@ -244,7 +244,7 @@
           <a:p>
             <a:fld id="{666634D4-32EF-435E-9290-13CFEB7D2376}" type="datetimeFigureOut">
               <a:rPr lang="en-US" smtClean="0"/>
-              <a:t>11/27/2020</a:t>
+              <a:t>11/28/2020</a:t>
             </a:fld>
             <a:endParaRPr lang="en-US"/>
           </a:p>
@@ -414,7 +414,7 @@
           <a:p>
             <a:fld id="{666634D4-32EF-435E-9290-13CFEB7D2376}" type="datetimeFigureOut">
               <a:rPr lang="en-US" smtClean="0"/>
-              <a:t>11/27/2020</a:t>
+              <a:t>11/28/2020</a:t>
             </a:fld>
             <a:endParaRPr lang="en-US"/>
           </a:p>
@@ -594,7 +594,7 @@
           <a:p>
             <a:fld id="{666634D4-32EF-435E-9290-13CFEB7D2376}" type="datetimeFigureOut">
               <a:rPr lang="en-US" smtClean="0"/>
-              <a:t>11/27/2020</a:t>
+              <a:t>11/28/2020</a:t>
             </a:fld>
             <a:endParaRPr lang="en-US"/>
           </a:p>
@@ -764,7 +764,7 @@
           <a:p>
             <a:fld id="{666634D4-32EF-435E-9290-13CFEB7D2376}" type="datetimeFigureOut">
               <a:rPr lang="en-US" smtClean="0"/>
-              <a:t>11/27/2020</a:t>
+              <a:t>11/28/2020</a:t>
             </a:fld>
             <a:endParaRPr lang="en-US"/>
           </a:p>
@@ -1008,7 +1008,7 @@
           <a:p>
             <a:fld id="{666634D4-32EF-435E-9290-13CFEB7D2376}" type="datetimeFigureOut">
               <a:rPr lang="en-US" smtClean="0"/>
-              <a:t>11/27/2020</a:t>
+              <a:t>11/28/2020</a:t>
             </a:fld>
             <a:endParaRPr lang="en-US"/>
           </a:p>
@@ -1240,7 +1240,7 @@
           <a:p>
             <a:fld id="{666634D4-32EF-435E-9290-13CFEB7D2376}" type="datetimeFigureOut">
               <a:rPr lang="en-US" smtClean="0"/>
-              <a:t>11/27/2020</a:t>
+              <a:t>11/28/2020</a:t>
             </a:fld>
             <a:endParaRPr lang="en-US"/>
           </a:p>
@@ -1607,7 +1607,7 @@
           <a:p>
             <a:fld id="{666634D4-32EF-435E-9290-13CFEB7D2376}" type="datetimeFigureOut">
               <a:rPr lang="en-US" smtClean="0"/>
-              <a:t>11/27/2020</a:t>
+              <a:t>11/28/2020</a:t>
             </a:fld>
             <a:endParaRPr lang="en-US"/>
           </a:p>
@@ -1725,7 +1725,7 @@
           <a:p>
             <a:fld id="{666634D4-32EF-435E-9290-13CFEB7D2376}" type="datetimeFigureOut">
               <a:rPr lang="en-US" smtClean="0"/>
-              <a:t>11/27/2020</a:t>
+              <a:t>11/28/2020</a:t>
             </a:fld>
             <a:endParaRPr lang="en-US"/>
           </a:p>
@@ -1820,7 +1820,7 @@
           <a:p>
             <a:fld id="{666634D4-32EF-435E-9290-13CFEB7D2376}" type="datetimeFigureOut">
               <a:rPr lang="en-US" smtClean="0"/>
-              <a:t>11/27/2020</a:t>
+              <a:t>11/28/2020</a:t>
             </a:fld>
             <a:endParaRPr lang="en-US"/>
           </a:p>
@@ -2097,7 +2097,7 @@
           <a:p>
             <a:fld id="{666634D4-32EF-435E-9290-13CFEB7D2376}" type="datetimeFigureOut">
               <a:rPr lang="en-US" smtClean="0"/>
-              <a:t>11/27/2020</a:t>
+              <a:t>11/28/2020</a:t>
             </a:fld>
             <a:endParaRPr lang="en-US"/>
           </a:p>
@@ -2354,7 +2354,7 @@
           <a:p>
             <a:fld id="{666634D4-32EF-435E-9290-13CFEB7D2376}" type="datetimeFigureOut">
               <a:rPr lang="en-US" smtClean="0"/>
-              <a:t>11/27/2020</a:t>
+              <a:t>11/28/2020</a:t>
             </a:fld>
             <a:endParaRPr lang="en-US"/>
           </a:p>
@@ -2567,7 +2567,7 @@
           <a:p>
             <a:fld id="{666634D4-32EF-435E-9290-13CFEB7D2376}" type="datetimeFigureOut">
               <a:rPr lang="en-US" smtClean="0"/>
-              <a:t>11/27/2020</a:t>
+              <a:t>11/28/2020</a:t>
             </a:fld>
             <a:endParaRPr lang="en-US"/>
           </a:p>
@@ -2986,7 +2986,7 @@
         </p:nvSpPr>
         <p:spPr>
           <a:xfrm>
-            <a:off x="3124200" y="238125"/>
+            <a:off x="2660382" y="238125"/>
             <a:ext cx="384175" cy="225425"/>
           </a:xfrm>
           <a:prstGeom prst="roundRect">
@@ -3030,7 +3030,7 @@
         </p:nvSpPr>
         <p:spPr>
           <a:xfrm>
-            <a:off x="3104152" y="222250"/>
+            <a:off x="2640334" y="222250"/>
             <a:ext cx="438151" cy="246221"/>
           </a:xfrm>
           <a:prstGeom prst="rect">
@@ -3066,7 +3066,7 @@
         </p:nvSpPr>
         <p:spPr>
           <a:xfrm>
-            <a:off x="2824080" y="628375"/>
+            <a:off x="2360262" y="628375"/>
             <a:ext cx="984409" cy="384450"/>
           </a:xfrm>
           <a:prstGeom prst="flowChartDecision">
@@ -3110,7 +3110,7 @@
         </p:nvSpPr>
         <p:spPr>
           <a:xfrm>
-            <a:off x="3067046" y="1492617"/>
+            <a:off x="2603228" y="1492617"/>
             <a:ext cx="498475" cy="241300"/>
           </a:xfrm>
           <a:prstGeom prst="rect">
@@ -3154,7 +3154,7 @@
         </p:nvSpPr>
         <p:spPr>
           <a:xfrm>
-            <a:off x="1880051" y="1113518"/>
+            <a:off x="1416233" y="1113518"/>
             <a:ext cx="498475" cy="241300"/>
           </a:xfrm>
           <a:prstGeom prst="rect">
@@ -3202,7 +3202,7 @@
         </p:nvCxnSpPr>
         <p:spPr>
           <a:xfrm flipH="1">
-            <a:off x="3316285" y="463550"/>
+            <a:off x="2852467" y="463550"/>
             <a:ext cx="3" cy="164825"/>
           </a:xfrm>
           <a:prstGeom prst="straightConnector1">
@@ -3244,7 +3244,7 @@
         </p:nvCxnSpPr>
         <p:spPr>
           <a:xfrm flipH="1">
-            <a:off x="3316284" y="1012825"/>
+            <a:off x="2852466" y="1012825"/>
             <a:ext cx="1" cy="479792"/>
           </a:xfrm>
           <a:prstGeom prst="straightConnector1">
@@ -3283,7 +3283,7 @@
         </p:nvSpPr>
         <p:spPr>
           <a:xfrm>
-            <a:off x="2915257" y="695289"/>
+            <a:off x="2451439" y="695289"/>
             <a:ext cx="739065" cy="246221"/>
           </a:xfrm>
           <a:prstGeom prst="rect">
@@ -3319,7 +3319,7 @@
         </p:nvSpPr>
         <p:spPr>
           <a:xfrm>
-            <a:off x="1825488" y="1103979"/>
+            <a:off x="1361670" y="1103979"/>
             <a:ext cx="607598" cy="246221"/>
           </a:xfrm>
           <a:prstGeom prst="rect">
@@ -3355,7 +3355,7 @@
         </p:nvSpPr>
         <p:spPr>
           <a:xfrm>
-            <a:off x="3080921" y="1487696"/>
+            <a:off x="2617103" y="1487696"/>
             <a:ext cx="470723" cy="246221"/>
           </a:xfrm>
           <a:prstGeom prst="rect">
@@ -3393,7 +3393,7 @@
         </p:nvCxnSpPr>
         <p:spPr>
           <a:xfrm>
-            <a:off x="2378526" y="1234168"/>
+            <a:off x="1914708" y="1234168"/>
             <a:ext cx="937757" cy="0"/>
           </a:xfrm>
           <a:prstGeom prst="straightConnector1">
@@ -3434,7 +3434,7 @@
         </p:nvCxnSpPr>
         <p:spPr>
           <a:xfrm>
-            <a:off x="2129287" y="820600"/>
+            <a:off x="1665469" y="820600"/>
             <a:ext cx="1" cy="287566"/>
           </a:xfrm>
           <a:prstGeom prst="straightConnector1">
@@ -3475,7 +3475,7 @@
         </p:nvCxnSpPr>
         <p:spPr>
           <a:xfrm flipH="1">
-            <a:off x="2129288" y="820600"/>
+            <a:off x="1665470" y="820600"/>
             <a:ext cx="694792" cy="0"/>
           </a:xfrm>
           <a:prstGeom prst="line">
@@ -3511,7 +3511,7 @@
         </p:nvSpPr>
         <p:spPr>
           <a:xfrm>
-            <a:off x="1654615" y="2275789"/>
+            <a:off x="1190797" y="2275789"/>
             <a:ext cx="723911" cy="241300"/>
           </a:xfrm>
           <a:prstGeom prst="rect">
@@ -3555,7 +3555,7 @@
         </p:nvSpPr>
         <p:spPr>
           <a:xfrm>
-            <a:off x="1656144" y="2263404"/>
+            <a:off x="1192326" y="2263404"/>
             <a:ext cx="744520" cy="246221"/>
           </a:xfrm>
           <a:prstGeom prst="rect">
@@ -3591,7 +3591,7 @@
         </p:nvSpPr>
         <p:spPr>
           <a:xfrm>
-            <a:off x="4191055" y="2275789"/>
+            <a:off x="2796098" y="2275789"/>
             <a:ext cx="723911" cy="241300"/>
           </a:xfrm>
           <a:prstGeom prst="rect">
@@ -3638,7 +3638,7 @@
         </p:nvCxnSpPr>
         <p:spPr>
           <a:xfrm flipH="1">
-            <a:off x="3316283" y="1733917"/>
+            <a:off x="2852465" y="1733917"/>
             <a:ext cx="1" cy="202036"/>
           </a:xfrm>
           <a:prstGeom prst="line">
@@ -3676,8 +3676,8 @@
         </p:nvCxnSpPr>
         <p:spPr>
           <a:xfrm>
-            <a:off x="2016570" y="1933796"/>
-            <a:ext cx="2536440" cy="1485"/>
+            <a:off x="1552752" y="1933796"/>
+            <a:ext cx="3054394" cy="5152"/>
           </a:xfrm>
           <a:prstGeom prst="line">
             <a:avLst/>
@@ -3714,7 +3714,7 @@
         </p:nvCxnSpPr>
         <p:spPr>
           <a:xfrm>
-            <a:off x="2016570" y="1933796"/>
+            <a:off x="1552752" y="1933796"/>
             <a:ext cx="1" cy="341993"/>
           </a:xfrm>
           <a:prstGeom prst="straightConnector1">
@@ -3753,7 +3753,7 @@
         </p:nvCxnSpPr>
         <p:spPr>
           <a:xfrm>
-            <a:off x="4553011" y="1933796"/>
+            <a:off x="3158054" y="1933796"/>
             <a:ext cx="1" cy="341993"/>
           </a:xfrm>
           <a:prstGeom prst="straightConnector1">
@@ -3792,7 +3792,7 @@
         </p:nvSpPr>
         <p:spPr>
           <a:xfrm>
-            <a:off x="2525326" y="3037197"/>
+            <a:off x="1769408" y="3037197"/>
             <a:ext cx="498475" cy="241300"/>
           </a:xfrm>
           <a:prstGeom prst="rect">
@@ -3836,7 +3836,7 @@
         </p:nvSpPr>
         <p:spPr>
           <a:xfrm>
-            <a:off x="1400650" y="3037197"/>
+            <a:off x="936832" y="3037197"/>
             <a:ext cx="745680" cy="241300"/>
           </a:xfrm>
           <a:prstGeom prst="rect">
@@ -3882,7 +3882,7 @@
         </p:nvCxnSpPr>
         <p:spPr>
           <a:xfrm flipH="1">
-            <a:off x="2016570" y="2516763"/>
+            <a:off x="1552752" y="2516763"/>
             <a:ext cx="2" cy="175855"/>
           </a:xfrm>
           <a:prstGeom prst="line">
@@ -3919,9 +3919,9 @@
           <p:nvPr/>
         </p:nvCxnSpPr>
         <p:spPr>
-          <a:xfrm flipV="1">
-            <a:off x="1769065" y="2692618"/>
-            <a:ext cx="1005500" cy="2586"/>
+          <a:xfrm>
+            <a:off x="1305247" y="2695204"/>
+            <a:ext cx="717965" cy="585"/>
           </a:xfrm>
           <a:prstGeom prst="line">
             <a:avLst/>
@@ -3956,7 +3956,7 @@
         </p:nvCxnSpPr>
         <p:spPr>
           <a:xfrm>
-            <a:off x="1769065" y="2695204"/>
+            <a:off x="1305247" y="2695204"/>
             <a:ext cx="1" cy="341993"/>
           </a:xfrm>
           <a:prstGeom prst="straightConnector1">
@@ -3995,7 +3995,7 @@
         </p:nvCxnSpPr>
         <p:spPr>
           <a:xfrm>
-            <a:off x="2774564" y="2687026"/>
+            <a:off x="2018646" y="2687026"/>
             <a:ext cx="1" cy="341993"/>
           </a:xfrm>
           <a:prstGeom prst="straightConnector1">
@@ -4034,7 +4034,7 @@
         </p:nvSpPr>
         <p:spPr>
           <a:xfrm>
-            <a:off x="4553010" y="3905485"/>
+            <a:off x="3158053" y="3905485"/>
             <a:ext cx="498475" cy="241300"/>
           </a:xfrm>
           <a:prstGeom prst="rect">
@@ -4080,8 +4080,8 @@
         </p:nvCxnSpPr>
         <p:spPr>
           <a:xfrm>
-            <a:off x="3797047" y="3569084"/>
-            <a:ext cx="1005201" cy="0"/>
+            <a:off x="2706897" y="3569084"/>
+            <a:ext cx="700394" cy="0"/>
           </a:xfrm>
           <a:prstGeom prst="line">
             <a:avLst/>
@@ -4116,7 +4116,7 @@
         </p:nvCxnSpPr>
         <p:spPr>
           <a:xfrm>
-            <a:off x="3797047" y="3563492"/>
+            <a:off x="2706897" y="3563492"/>
             <a:ext cx="1" cy="341993"/>
           </a:xfrm>
           <a:prstGeom prst="straightConnector1">
@@ -4155,7 +4155,7 @@
         </p:nvCxnSpPr>
         <p:spPr>
           <a:xfrm>
-            <a:off x="4802248" y="3563492"/>
+            <a:off x="3407291" y="3563492"/>
             <a:ext cx="1" cy="341993"/>
           </a:xfrm>
           <a:prstGeom prst="straightConnector1">
@@ -4194,7 +4194,7 @@
         </p:nvSpPr>
         <p:spPr>
           <a:xfrm>
-            <a:off x="2520385" y="3021935"/>
+            <a:off x="1764467" y="3021935"/>
             <a:ext cx="526591" cy="246221"/>
           </a:xfrm>
           <a:prstGeom prst="rect">
@@ -4230,7 +4230,7 @@
         </p:nvSpPr>
         <p:spPr>
           <a:xfrm>
-            <a:off x="1391359" y="3027868"/>
+            <a:off x="927541" y="3027868"/>
             <a:ext cx="772568" cy="246221"/>
           </a:xfrm>
           <a:prstGeom prst="rect">
@@ -4266,7 +4266,7 @@
         </p:nvSpPr>
         <p:spPr>
           <a:xfrm>
-            <a:off x="3424207" y="3905485"/>
+            <a:off x="2334057" y="3905485"/>
             <a:ext cx="745680" cy="241300"/>
           </a:xfrm>
           <a:prstGeom prst="rect">
@@ -4310,7 +4310,7 @@
         </p:nvSpPr>
         <p:spPr>
           <a:xfrm>
-            <a:off x="4060806" y="2959753"/>
+            <a:off x="2665849" y="2959753"/>
             <a:ext cx="984409" cy="384450"/>
           </a:xfrm>
           <a:prstGeom prst="flowChartDecision">
@@ -4354,7 +4354,7 @@
         </p:nvSpPr>
         <p:spPr>
           <a:xfrm>
-            <a:off x="4125969" y="3034208"/>
+            <a:off x="2731012" y="3034208"/>
             <a:ext cx="854084" cy="246221"/>
           </a:xfrm>
           <a:prstGeom prst="rect">
@@ -4393,7 +4393,7 @@
         </p:nvCxnSpPr>
         <p:spPr>
           <a:xfrm>
-            <a:off x="4553011" y="2517089"/>
+            <a:off x="3158054" y="2517089"/>
             <a:ext cx="0" cy="442664"/>
           </a:xfrm>
           <a:prstGeom prst="straightConnector1">
@@ -4434,7 +4434,7 @@
         </p:nvCxnSpPr>
         <p:spPr>
           <a:xfrm>
-            <a:off x="4553010" y="3344203"/>
+            <a:off x="3158053" y="3344203"/>
             <a:ext cx="0" cy="219289"/>
           </a:xfrm>
           <a:prstGeom prst="straightConnector1">
@@ -4476,8 +4476,8 @@
         </p:nvCxnSpPr>
         <p:spPr>
           <a:xfrm flipH="1">
-            <a:off x="3023801" y="3151978"/>
-            <a:ext cx="1037005" cy="5869"/>
+            <a:off x="2267883" y="3151978"/>
+            <a:ext cx="397966" cy="5869"/>
           </a:xfrm>
           <a:prstGeom prst="straightConnector1">
             <a:avLst/>
@@ -4517,8 +4517,8 @@
         </p:nvCxnSpPr>
         <p:spPr>
           <a:xfrm>
-            <a:off x="2129287" y="6158472"/>
-            <a:ext cx="2145571" cy="0"/>
+            <a:off x="1665469" y="6158472"/>
+            <a:ext cx="2941677" cy="0"/>
           </a:xfrm>
           <a:prstGeom prst="line">
             <a:avLst/>
@@ -4555,7 +4555,7 @@
         </p:nvCxnSpPr>
         <p:spPr>
           <a:xfrm>
-            <a:off x="5655282" y="2396439"/>
+            <a:off x="3876019" y="2396439"/>
             <a:ext cx="0" cy="3551738"/>
           </a:xfrm>
           <a:prstGeom prst="line">
@@ -4593,7 +4593,7 @@
         </p:nvCxnSpPr>
         <p:spPr>
           <a:xfrm>
-            <a:off x="924530" y="2396439"/>
+            <a:off x="708362" y="2396439"/>
             <a:ext cx="13837" cy="3247529"/>
           </a:xfrm>
           <a:prstGeom prst="line">
@@ -4624,13 +4624,15 @@
               </a:ext>
             </a:extLst>
           </p:cNvPr>
-          <p:cNvCxnSpPr/>
+          <p:cNvCxnSpPr>
+            <a:cxnSpLocks/>
+          </p:cNvCxnSpPr>
           <p:nvPr/>
         </p:nvCxnSpPr>
         <p:spPr>
           <a:xfrm>
-            <a:off x="921962" y="2396439"/>
-            <a:ext cx="740316" cy="0"/>
+            <a:off x="708362" y="2396439"/>
+            <a:ext cx="490098" cy="0"/>
           </a:xfrm>
           <a:prstGeom prst="straightConnector1">
             <a:avLst/>
@@ -4671,8 +4673,8 @@
         </p:nvCxnSpPr>
         <p:spPr>
           <a:xfrm flipH="1">
-            <a:off x="4914966" y="2396439"/>
-            <a:ext cx="740316" cy="0"/>
+            <a:off x="3520009" y="2396439"/>
+            <a:ext cx="356010" cy="0"/>
           </a:xfrm>
           <a:prstGeom prst="straightConnector1">
             <a:avLst/>
@@ -4710,7 +4712,7 @@
         </p:nvSpPr>
         <p:spPr>
           <a:xfrm>
-            <a:off x="2939667" y="6508403"/>
+            <a:off x="2475849" y="6905963"/>
             <a:ext cx="568708" cy="225425"/>
           </a:xfrm>
           <a:prstGeom prst="roundRect">
@@ -4754,7 +4756,7 @@
         </p:nvSpPr>
         <p:spPr>
           <a:xfrm>
-            <a:off x="1769065" y="3900892"/>
+            <a:off x="1305247" y="3900892"/>
             <a:ext cx="723911" cy="241300"/>
           </a:xfrm>
           <a:prstGeom prst="rect">
@@ -4798,7 +4800,7 @@
         </p:nvSpPr>
         <p:spPr>
           <a:xfrm>
-            <a:off x="1747448" y="3892800"/>
+            <a:off x="1283630" y="3892800"/>
             <a:ext cx="797764" cy="246221"/>
           </a:xfrm>
           <a:prstGeom prst="rect">
@@ -4833,7 +4835,7 @@
         </p:nvSpPr>
         <p:spPr>
           <a:xfrm>
-            <a:off x="1769066" y="4427187"/>
+            <a:off x="1305248" y="4427187"/>
             <a:ext cx="723911" cy="241300"/>
           </a:xfrm>
           <a:prstGeom prst="rect">
@@ -4877,7 +4879,7 @@
         </p:nvSpPr>
         <p:spPr>
           <a:xfrm>
-            <a:off x="1769066" y="4955280"/>
+            <a:off x="1305248" y="4955280"/>
             <a:ext cx="723911" cy="241300"/>
           </a:xfrm>
           <a:prstGeom prst="rect">
@@ -4921,7 +4923,7 @@
         </p:nvSpPr>
         <p:spPr>
           <a:xfrm>
-            <a:off x="3875977" y="4951887"/>
+            <a:off x="2481020" y="4951887"/>
             <a:ext cx="797764" cy="241300"/>
           </a:xfrm>
           <a:prstGeom prst="rect">
@@ -4965,7 +4967,7 @@
         </p:nvSpPr>
         <p:spPr>
           <a:xfrm>
-            <a:off x="3912904" y="5498946"/>
+            <a:off x="2517947" y="5498946"/>
             <a:ext cx="723911" cy="241300"/>
           </a:xfrm>
           <a:prstGeom prst="rect">
@@ -5012,7 +5014,7 @@
         </p:nvCxnSpPr>
         <p:spPr>
           <a:xfrm>
-            <a:off x="2131021" y="4142192"/>
+            <a:off x="1667203" y="4142192"/>
             <a:ext cx="0" cy="284995"/>
           </a:xfrm>
           <a:prstGeom prst="straightConnector1">
@@ -5054,7 +5056,7 @@
         </p:nvCxnSpPr>
         <p:spPr>
           <a:xfrm>
-            <a:off x="2131021" y="4668488"/>
+            <a:off x="1667203" y="4668488"/>
             <a:ext cx="0" cy="286793"/>
           </a:xfrm>
           <a:prstGeom prst="straightConnector1">
@@ -5096,7 +5098,7 @@
         </p:nvCxnSpPr>
         <p:spPr>
           <a:xfrm>
-            <a:off x="4274859" y="5193187"/>
+            <a:off x="2879902" y="5193187"/>
             <a:ext cx="0" cy="305759"/>
           </a:xfrm>
           <a:prstGeom prst="straightConnector1">
@@ -5138,7 +5140,7 @@
         </p:nvCxnSpPr>
         <p:spPr>
           <a:xfrm>
-            <a:off x="2131021" y="5196580"/>
+            <a:off x="1667203" y="5196580"/>
             <a:ext cx="0" cy="961892"/>
           </a:xfrm>
           <a:prstGeom prst="line">
@@ -5176,7 +5178,7 @@
         </p:nvCxnSpPr>
         <p:spPr>
           <a:xfrm>
-            <a:off x="4277098" y="5740246"/>
+            <a:off x="2881017" y="5740246"/>
             <a:ext cx="0" cy="418226"/>
           </a:xfrm>
           <a:prstGeom prst="line">
@@ -5214,8 +5216,8 @@
         </p:nvCxnSpPr>
         <p:spPr>
           <a:xfrm>
-            <a:off x="938367" y="5643968"/>
-            <a:ext cx="1190920" cy="0"/>
+            <a:off x="722199" y="5643968"/>
+            <a:ext cx="943270" cy="0"/>
           </a:xfrm>
           <a:prstGeom prst="line">
             <a:avLst/>
@@ -5252,8 +5254,8 @@
         </p:nvCxnSpPr>
         <p:spPr>
           <a:xfrm>
-            <a:off x="4274858" y="5948177"/>
-            <a:ext cx="1380424" cy="0"/>
+            <a:off x="2879901" y="5948177"/>
+            <a:ext cx="996118" cy="0"/>
           </a:xfrm>
           <a:prstGeom prst="line">
             <a:avLst/>
@@ -5291,8 +5293,8 @@
         </p:nvCxnSpPr>
         <p:spPr>
           <a:xfrm>
-            <a:off x="3224021" y="6158472"/>
-            <a:ext cx="0" cy="349930"/>
+            <a:off x="2760203" y="6158472"/>
+            <a:ext cx="0" cy="747491"/>
           </a:xfrm>
           <a:prstGeom prst="straightConnector1">
             <a:avLst/>
@@ -5333,7 +5335,7 @@
         </p:nvCxnSpPr>
         <p:spPr>
           <a:xfrm>
-            <a:off x="2131021" y="3627688"/>
+            <a:off x="1667203" y="3627688"/>
             <a:ext cx="0" cy="273204"/>
           </a:xfrm>
           <a:prstGeom prst="straightConnector1">
@@ -5374,8 +5376,8 @@
         </p:nvCxnSpPr>
         <p:spPr>
           <a:xfrm>
-            <a:off x="1769065" y="3627688"/>
-            <a:ext cx="1014616" cy="0"/>
+            <a:off x="1305247" y="3627688"/>
+            <a:ext cx="722515" cy="0"/>
           </a:xfrm>
           <a:prstGeom prst="line">
             <a:avLst/>
@@ -5412,8 +5414,8 @@
         </p:nvCxnSpPr>
         <p:spPr>
           <a:xfrm>
-            <a:off x="3797047" y="4653123"/>
-            <a:ext cx="1005201" cy="0"/>
+            <a:off x="2706897" y="4653123"/>
+            <a:ext cx="700394" cy="0"/>
           </a:xfrm>
           <a:prstGeom prst="line">
             <a:avLst/>
@@ -5451,7 +5453,7 @@
         </p:nvCxnSpPr>
         <p:spPr>
           <a:xfrm>
-            <a:off x="4274859" y="4653123"/>
+            <a:off x="2879902" y="4653123"/>
             <a:ext cx="0" cy="298764"/>
           </a:xfrm>
           <a:prstGeom prst="straightConnector1">
@@ -5493,7 +5495,7 @@
         </p:nvCxnSpPr>
         <p:spPr>
           <a:xfrm>
-            <a:off x="1773490" y="3278497"/>
+            <a:off x="1309672" y="3278497"/>
             <a:ext cx="0" cy="341993"/>
           </a:xfrm>
           <a:prstGeom prst="line">
@@ -5531,7 +5533,7 @@
         </p:nvCxnSpPr>
         <p:spPr>
           <a:xfrm>
-            <a:off x="2779976" y="3278497"/>
+            <a:off x="2024058" y="3278497"/>
             <a:ext cx="0" cy="341993"/>
           </a:xfrm>
           <a:prstGeom prst="line">
@@ -5570,7 +5572,7 @@
         </p:nvCxnSpPr>
         <p:spPr>
           <a:xfrm>
-            <a:off x="3797047" y="4146785"/>
+            <a:off x="2706897" y="4146785"/>
             <a:ext cx="0" cy="506338"/>
           </a:xfrm>
           <a:prstGeom prst="line">
@@ -5608,7 +5610,7 @@
         </p:nvCxnSpPr>
         <p:spPr>
           <a:xfrm>
-            <a:off x="4802248" y="4146785"/>
+            <a:off x="3407291" y="4146785"/>
             <a:ext cx="0" cy="506338"/>
           </a:xfrm>
           <a:prstGeom prst="line">
@@ -5644,7 +5646,7 @@
         </p:nvSpPr>
         <p:spPr>
           <a:xfrm>
-            <a:off x="4125969" y="2273484"/>
+            <a:off x="2731012" y="2273484"/>
             <a:ext cx="854084" cy="246221"/>
           </a:xfrm>
           <a:prstGeom prst="rect">
@@ -5680,7 +5682,7 @@
         </p:nvSpPr>
         <p:spPr>
           <a:xfrm>
-            <a:off x="3398182" y="3895971"/>
+            <a:off x="2322057" y="3895971"/>
             <a:ext cx="772568" cy="246221"/>
           </a:xfrm>
           <a:prstGeom prst="rect">
@@ -5716,7 +5718,7 @@
         </p:nvSpPr>
         <p:spPr>
           <a:xfrm>
-            <a:off x="4540559" y="3889605"/>
+            <a:off x="3145602" y="3889605"/>
             <a:ext cx="526591" cy="246221"/>
           </a:xfrm>
           <a:prstGeom prst="rect">
@@ -5752,7 +5754,7 @@
         </p:nvSpPr>
         <p:spPr>
           <a:xfrm>
-            <a:off x="1743762" y="4419807"/>
+            <a:off x="1279944" y="4419807"/>
             <a:ext cx="797764" cy="246221"/>
           </a:xfrm>
           <a:prstGeom prst="rect">
@@ -5787,7 +5789,7 @@
         </p:nvSpPr>
         <p:spPr>
           <a:xfrm>
-            <a:off x="1712659" y="4951888"/>
+            <a:off x="1248841" y="4951888"/>
             <a:ext cx="845671" cy="246221"/>
           </a:xfrm>
           <a:prstGeom prst="rect">
@@ -5822,7 +5824,7 @@
         </p:nvSpPr>
         <p:spPr>
           <a:xfrm>
-            <a:off x="3850541" y="4952819"/>
+            <a:off x="2455584" y="4952819"/>
             <a:ext cx="898212" cy="246221"/>
           </a:xfrm>
           <a:prstGeom prst="rect">
@@ -5857,7 +5859,7 @@
         </p:nvSpPr>
         <p:spPr>
           <a:xfrm>
-            <a:off x="3912903" y="5496485"/>
+            <a:off x="2517946" y="5496485"/>
             <a:ext cx="745812" cy="246221"/>
           </a:xfrm>
           <a:prstGeom prst="rect">
@@ -5892,7 +5894,7 @@
         </p:nvSpPr>
         <p:spPr>
           <a:xfrm>
-            <a:off x="2934841" y="6498004"/>
+            <a:off x="2471023" y="6895564"/>
             <a:ext cx="607462" cy="246221"/>
           </a:xfrm>
           <a:prstGeom prst="rect">
@@ -5927,7 +5929,7 @@
         </p:nvSpPr>
         <p:spPr>
           <a:xfrm>
-            <a:off x="3251300" y="1019366"/>
+            <a:off x="2787482" y="1019366"/>
             <a:ext cx="371459" cy="246221"/>
           </a:xfrm>
           <a:prstGeom prst="rect">
@@ -5962,7 +5964,7 @@
         </p:nvSpPr>
         <p:spPr>
           <a:xfrm>
-            <a:off x="2465914" y="581514"/>
+            <a:off x="2002096" y="581514"/>
             <a:ext cx="332158" cy="246221"/>
           </a:xfrm>
           <a:prstGeom prst="rect">
@@ -5997,7 +5999,7 @@
         </p:nvSpPr>
         <p:spPr>
           <a:xfrm>
-            <a:off x="4540436" y="3304161"/>
+            <a:off x="3145479" y="3304161"/>
             <a:ext cx="371459" cy="246221"/>
           </a:xfrm>
           <a:prstGeom prst="rect">
@@ -6032,7 +6034,7 @@
         </p:nvSpPr>
         <p:spPr>
           <a:xfrm>
-            <a:off x="3736485" y="2942652"/>
+            <a:off x="2386489" y="2948209"/>
             <a:ext cx="332158" cy="246221"/>
           </a:xfrm>
           <a:prstGeom prst="rect">
@@ -6053,6 +6055,760 @@
           </a:p>
         </p:txBody>
       </p:sp>
+      <p:sp>
+        <p:nvSpPr>
+          <p:cNvPr id="92" name="Rectangle 91">
+            <a:extLst>
+              <a:ext uri="{FF2B5EF4-FFF2-40B4-BE49-F238E27FC236}">
+                <a16:creationId xmlns:a16="http://schemas.microsoft.com/office/drawing/2014/main" id="{71DAE2D9-074F-493A-9E25-2C3124E66524}"/>
+              </a:ext>
+            </a:extLst>
+          </p:cNvPr>
+          <p:cNvSpPr/>
+          <p:nvPr/>
+        </p:nvSpPr>
+        <p:spPr>
+          <a:xfrm>
+            <a:off x="4245205" y="2922111"/>
+            <a:ext cx="723911" cy="241300"/>
+          </a:xfrm>
+          <a:prstGeom prst="rect">
+            <a:avLst/>
+          </a:prstGeom>
+        </p:spPr>
+        <p:style>
+          <a:lnRef idx="2">
+            <a:schemeClr val="dk1"/>
+          </a:lnRef>
+          <a:fillRef idx="1">
+            <a:schemeClr val="lt1"/>
+          </a:fillRef>
+          <a:effectRef idx="0">
+            <a:schemeClr val="dk1"/>
+          </a:effectRef>
+          <a:fontRef idx="minor">
+            <a:schemeClr val="dk1"/>
+          </a:fontRef>
+        </p:style>
+        <p:txBody>
+          <a:bodyPr rtlCol="0" anchor="ctr"/>
+          <a:lstStyle/>
+          <a:p>
+            <a:pPr algn="ctr"/>
+            <a:endParaRPr lang="en-US"/>
+          </a:p>
+        </p:txBody>
+      </p:sp>
+      <p:sp>
+        <p:nvSpPr>
+          <p:cNvPr id="93" name="TextBox 92">
+            <a:extLst>
+              <a:ext uri="{FF2B5EF4-FFF2-40B4-BE49-F238E27FC236}">
+                <a16:creationId xmlns:a16="http://schemas.microsoft.com/office/drawing/2014/main" id="{1BB77984-1062-4892-BB65-AA86366F720D}"/>
+              </a:ext>
+            </a:extLst>
+          </p:cNvPr>
+          <p:cNvSpPr txBox="1"/>
+          <p:nvPr/>
+        </p:nvSpPr>
+        <p:spPr>
+          <a:xfrm>
+            <a:off x="4338907" y="2919806"/>
+            <a:ext cx="545447" cy="246221"/>
+          </a:xfrm>
+          <a:prstGeom prst="rect">
+            <a:avLst/>
+          </a:prstGeom>
+          <a:noFill/>
+        </p:spPr>
+        <p:txBody>
+          <a:bodyPr wrap="square" rtlCol="0">
+            <a:spAutoFit/>
+          </a:bodyPr>
+          <a:lstStyle/>
+          <a:p>
+            <a:r>
+              <a:rPr lang="en-US" altLang="zh-CN" sz="1000" dirty="0"/>
+              <a:t>Library</a:t>
+            </a:r>
+            <a:endParaRPr lang="en-US" sz="1000" dirty="0"/>
+          </a:p>
+        </p:txBody>
+      </p:sp>
+      <p:sp>
+        <p:nvSpPr>
+          <p:cNvPr id="94" name="Rectangle 93">
+            <a:extLst>
+              <a:ext uri="{FF2B5EF4-FFF2-40B4-BE49-F238E27FC236}">
+                <a16:creationId xmlns:a16="http://schemas.microsoft.com/office/drawing/2014/main" id="{1BD900FF-FAD3-4FC8-92B6-3009D83E28F3}"/>
+              </a:ext>
+            </a:extLst>
+          </p:cNvPr>
+          <p:cNvSpPr/>
+          <p:nvPr/>
+        </p:nvSpPr>
+        <p:spPr>
+          <a:xfrm>
+            <a:off x="4015216" y="3913256"/>
+            <a:ext cx="417764" cy="241300"/>
+          </a:xfrm>
+          <a:prstGeom prst="rect">
+            <a:avLst/>
+          </a:prstGeom>
+        </p:spPr>
+        <p:style>
+          <a:lnRef idx="2">
+            <a:schemeClr val="dk1"/>
+          </a:lnRef>
+          <a:fillRef idx="1">
+            <a:schemeClr val="lt1"/>
+          </a:fillRef>
+          <a:effectRef idx="0">
+            <a:schemeClr val="dk1"/>
+          </a:effectRef>
+          <a:fontRef idx="minor">
+            <a:schemeClr val="dk1"/>
+          </a:fontRef>
+        </p:style>
+        <p:txBody>
+          <a:bodyPr rtlCol="0" anchor="ctr"/>
+          <a:lstStyle/>
+          <a:p>
+            <a:pPr algn="ctr"/>
+            <a:endParaRPr lang="en-US"/>
+          </a:p>
+        </p:txBody>
+      </p:sp>
+      <p:sp>
+        <p:nvSpPr>
+          <p:cNvPr id="95" name="TextBox 94">
+            <a:extLst>
+              <a:ext uri="{FF2B5EF4-FFF2-40B4-BE49-F238E27FC236}">
+                <a16:creationId xmlns:a16="http://schemas.microsoft.com/office/drawing/2014/main" id="{3836E10C-0E57-4068-A21D-1F1593D2748B}"/>
+              </a:ext>
+            </a:extLst>
+          </p:cNvPr>
+          <p:cNvSpPr txBox="1"/>
+          <p:nvPr/>
+        </p:nvSpPr>
+        <p:spPr>
+          <a:xfrm>
+            <a:off x="4005390" y="3908335"/>
+            <a:ext cx="437416" cy="246221"/>
+          </a:xfrm>
+          <a:prstGeom prst="rect">
+            <a:avLst/>
+          </a:prstGeom>
+          <a:noFill/>
+        </p:spPr>
+        <p:txBody>
+          <a:bodyPr wrap="square" rtlCol="0">
+            <a:spAutoFit/>
+          </a:bodyPr>
+          <a:lstStyle/>
+          <a:p>
+            <a:r>
+              <a:rPr lang="en-US" altLang="zh-CN" sz="1000" dirty="0"/>
+              <a:t>Race</a:t>
+            </a:r>
+            <a:endParaRPr lang="en-US" sz="1000" dirty="0"/>
+          </a:p>
+        </p:txBody>
+      </p:sp>
+      <p:sp>
+        <p:nvSpPr>
+          <p:cNvPr id="96" name="Rectangle 95">
+            <a:extLst>
+              <a:ext uri="{FF2B5EF4-FFF2-40B4-BE49-F238E27FC236}">
+                <a16:creationId xmlns:a16="http://schemas.microsoft.com/office/drawing/2014/main" id="{10553BDD-0FE0-44AC-B24F-A5FCE2FD139A}"/>
+              </a:ext>
+            </a:extLst>
+          </p:cNvPr>
+          <p:cNvSpPr/>
+          <p:nvPr/>
+        </p:nvSpPr>
+        <p:spPr>
+          <a:xfrm>
+            <a:off x="4398264" y="4335548"/>
+            <a:ext cx="417764" cy="241300"/>
+          </a:xfrm>
+          <a:prstGeom prst="rect">
+            <a:avLst/>
+          </a:prstGeom>
+        </p:spPr>
+        <p:style>
+          <a:lnRef idx="2">
+            <a:schemeClr val="dk1"/>
+          </a:lnRef>
+          <a:fillRef idx="1">
+            <a:schemeClr val="lt1"/>
+          </a:fillRef>
+          <a:effectRef idx="0">
+            <a:schemeClr val="dk1"/>
+          </a:effectRef>
+          <a:fontRef idx="minor">
+            <a:schemeClr val="dk1"/>
+          </a:fontRef>
+        </p:style>
+        <p:txBody>
+          <a:bodyPr rtlCol="0" anchor="ctr"/>
+          <a:lstStyle/>
+          <a:p>
+            <a:pPr algn="ctr"/>
+            <a:endParaRPr lang="en-US"/>
+          </a:p>
+        </p:txBody>
+      </p:sp>
+      <p:sp>
+        <p:nvSpPr>
+          <p:cNvPr id="97" name="TextBox 96">
+            <a:extLst>
+              <a:ext uri="{FF2B5EF4-FFF2-40B4-BE49-F238E27FC236}">
+                <a16:creationId xmlns:a16="http://schemas.microsoft.com/office/drawing/2014/main" id="{9AFBD9A6-0A76-46E6-A62F-2FE38C239912}"/>
+              </a:ext>
+            </a:extLst>
+          </p:cNvPr>
+          <p:cNvSpPr txBox="1"/>
+          <p:nvPr/>
+        </p:nvSpPr>
+        <p:spPr>
+          <a:xfrm>
+            <a:off x="4388438" y="4330627"/>
+            <a:ext cx="437416" cy="246221"/>
+          </a:xfrm>
+          <a:prstGeom prst="rect">
+            <a:avLst/>
+          </a:prstGeom>
+          <a:noFill/>
+        </p:spPr>
+        <p:txBody>
+          <a:bodyPr wrap="square" rtlCol="0">
+            <a:spAutoFit/>
+          </a:bodyPr>
+          <a:lstStyle/>
+          <a:p>
+            <a:r>
+              <a:rPr lang="en-US" altLang="zh-CN" sz="1000" dirty="0"/>
+              <a:t>Lord</a:t>
+            </a:r>
+            <a:endParaRPr lang="en-US" sz="1000" dirty="0"/>
+          </a:p>
+        </p:txBody>
+      </p:sp>
+      <p:sp>
+        <p:nvSpPr>
+          <p:cNvPr id="98" name="Rectangle 97">
+            <a:extLst>
+              <a:ext uri="{FF2B5EF4-FFF2-40B4-BE49-F238E27FC236}">
+                <a16:creationId xmlns:a16="http://schemas.microsoft.com/office/drawing/2014/main" id="{1C6DD56F-181E-4D53-8E3B-E59AFA231A6B}"/>
+              </a:ext>
+            </a:extLst>
+          </p:cNvPr>
+          <p:cNvSpPr/>
+          <p:nvPr/>
+        </p:nvSpPr>
+        <p:spPr>
+          <a:xfrm>
+            <a:off x="4735595" y="4757840"/>
+            <a:ext cx="417764" cy="241300"/>
+          </a:xfrm>
+          <a:prstGeom prst="rect">
+            <a:avLst/>
+          </a:prstGeom>
+        </p:spPr>
+        <p:style>
+          <a:lnRef idx="2">
+            <a:schemeClr val="dk1"/>
+          </a:lnRef>
+          <a:fillRef idx="1">
+            <a:schemeClr val="lt1"/>
+          </a:fillRef>
+          <a:effectRef idx="0">
+            <a:schemeClr val="dk1"/>
+          </a:effectRef>
+          <a:fontRef idx="minor">
+            <a:schemeClr val="dk1"/>
+          </a:fontRef>
+        </p:style>
+        <p:txBody>
+          <a:bodyPr rtlCol="0" anchor="ctr"/>
+          <a:lstStyle/>
+          <a:p>
+            <a:pPr algn="ctr"/>
+            <a:endParaRPr lang="en-US"/>
+          </a:p>
+        </p:txBody>
+      </p:sp>
+      <p:sp>
+        <p:nvSpPr>
+          <p:cNvPr id="99" name="TextBox 98">
+            <a:extLst>
+              <a:ext uri="{FF2B5EF4-FFF2-40B4-BE49-F238E27FC236}">
+                <a16:creationId xmlns:a16="http://schemas.microsoft.com/office/drawing/2014/main" id="{13BE2EA6-1E0B-4030-B594-8B7D7F941502}"/>
+              </a:ext>
+            </a:extLst>
+          </p:cNvPr>
+          <p:cNvSpPr txBox="1"/>
+          <p:nvPr/>
+        </p:nvSpPr>
+        <p:spPr>
+          <a:xfrm>
+            <a:off x="4725769" y="4752919"/>
+            <a:ext cx="437416" cy="246221"/>
+          </a:xfrm>
+          <a:prstGeom prst="rect">
+            <a:avLst/>
+          </a:prstGeom>
+          <a:noFill/>
+        </p:spPr>
+        <p:txBody>
+          <a:bodyPr wrap="square" rtlCol="0">
+            <a:spAutoFit/>
+          </a:bodyPr>
+          <a:lstStyle/>
+          <a:p>
+            <a:r>
+              <a:rPr lang="en-US" altLang="zh-CN" sz="1000" dirty="0"/>
+              <a:t>Arm</a:t>
+            </a:r>
+            <a:endParaRPr lang="en-US" sz="1000" dirty="0"/>
+          </a:p>
+        </p:txBody>
+      </p:sp>
+      <p:cxnSp>
+        <p:nvCxnSpPr>
+          <p:cNvPr id="34" name="Straight Connector 33">
+            <a:extLst>
+              <a:ext uri="{FF2B5EF4-FFF2-40B4-BE49-F238E27FC236}">
+                <a16:creationId xmlns:a16="http://schemas.microsoft.com/office/drawing/2014/main" id="{67BD4C0C-69B2-44F9-9C1E-F70D28BA3F65}"/>
+              </a:ext>
+            </a:extLst>
+          </p:cNvPr>
+          <p:cNvCxnSpPr>
+            <a:cxnSpLocks/>
+          </p:cNvCxnSpPr>
+          <p:nvPr/>
+        </p:nvCxnSpPr>
+        <p:spPr>
+          <a:xfrm>
+            <a:off x="4224097" y="3575631"/>
+            <a:ext cx="720379" cy="0"/>
+          </a:xfrm>
+          <a:prstGeom prst="line">
+            <a:avLst/>
+          </a:prstGeom>
+        </p:spPr>
+        <p:style>
+          <a:lnRef idx="2">
+            <a:schemeClr val="dk1"/>
+          </a:lnRef>
+          <a:fillRef idx="0">
+            <a:schemeClr val="dk1"/>
+          </a:fillRef>
+          <a:effectRef idx="1">
+            <a:schemeClr val="dk1"/>
+          </a:effectRef>
+          <a:fontRef idx="minor">
+            <a:schemeClr val="tx1"/>
+          </a:fontRef>
+        </p:style>
+      </p:cxnSp>
+      <p:cxnSp>
+        <p:nvCxnSpPr>
+          <p:cNvPr id="104" name="Straight Connector 103">
+            <a:extLst>
+              <a:ext uri="{FF2B5EF4-FFF2-40B4-BE49-F238E27FC236}">
+                <a16:creationId xmlns:a16="http://schemas.microsoft.com/office/drawing/2014/main" id="{629FEF90-6B78-48DE-8EE0-DD222626C063}"/>
+              </a:ext>
+            </a:extLst>
+          </p:cNvPr>
+          <p:cNvCxnSpPr>
+            <a:cxnSpLocks/>
+          </p:cNvCxnSpPr>
+          <p:nvPr/>
+        </p:nvCxnSpPr>
+        <p:spPr>
+          <a:xfrm>
+            <a:off x="4224097" y="5398043"/>
+            <a:ext cx="720379" cy="0"/>
+          </a:xfrm>
+          <a:prstGeom prst="line">
+            <a:avLst/>
+          </a:prstGeom>
+        </p:spPr>
+        <p:style>
+          <a:lnRef idx="2">
+            <a:schemeClr val="dk1"/>
+          </a:lnRef>
+          <a:fillRef idx="0">
+            <a:schemeClr val="dk1"/>
+          </a:fillRef>
+          <a:effectRef idx="1">
+            <a:schemeClr val="dk1"/>
+          </a:effectRef>
+          <a:fontRef idx="minor">
+            <a:schemeClr val="tx1"/>
+          </a:fontRef>
+        </p:style>
+      </p:cxnSp>
+      <p:cxnSp>
+        <p:nvCxnSpPr>
+          <p:cNvPr id="106" name="Straight Connector 105">
+            <a:extLst>
+              <a:ext uri="{FF2B5EF4-FFF2-40B4-BE49-F238E27FC236}">
+                <a16:creationId xmlns:a16="http://schemas.microsoft.com/office/drawing/2014/main" id="{54D2DFB7-1CBA-4587-98AF-849F888982E3}"/>
+              </a:ext>
+            </a:extLst>
+          </p:cNvPr>
+          <p:cNvCxnSpPr>
+            <a:cxnSpLocks/>
+          </p:cNvCxnSpPr>
+          <p:nvPr/>
+        </p:nvCxnSpPr>
+        <p:spPr>
+          <a:xfrm>
+            <a:off x="4607160" y="3158887"/>
+            <a:ext cx="0" cy="418226"/>
+          </a:xfrm>
+          <a:prstGeom prst="line">
+            <a:avLst/>
+          </a:prstGeom>
+        </p:spPr>
+        <p:style>
+          <a:lnRef idx="2">
+            <a:schemeClr val="dk1"/>
+          </a:lnRef>
+          <a:fillRef idx="0">
+            <a:schemeClr val="dk1"/>
+          </a:fillRef>
+          <a:effectRef idx="1">
+            <a:schemeClr val="dk1"/>
+          </a:effectRef>
+          <a:fontRef idx="minor">
+            <a:schemeClr val="tx1"/>
+          </a:fontRef>
+        </p:style>
+      </p:cxnSp>
+      <p:cxnSp>
+        <p:nvCxnSpPr>
+          <p:cNvPr id="107" name="Straight Arrow Connector 106">
+            <a:extLst>
+              <a:ext uri="{FF2B5EF4-FFF2-40B4-BE49-F238E27FC236}">
+                <a16:creationId xmlns:a16="http://schemas.microsoft.com/office/drawing/2014/main" id="{F2C381FB-AB1F-4C30-9311-772863BFE93E}"/>
+              </a:ext>
+            </a:extLst>
+          </p:cNvPr>
+          <p:cNvCxnSpPr>
+            <a:cxnSpLocks/>
+            <a:endCxn id="95" idx="0"/>
+          </p:cNvCxnSpPr>
+          <p:nvPr/>
+        </p:nvCxnSpPr>
+        <p:spPr>
+          <a:xfrm>
+            <a:off x="4224097" y="3580553"/>
+            <a:ext cx="1" cy="327782"/>
+          </a:xfrm>
+          <a:prstGeom prst="straightConnector1">
+            <a:avLst/>
+          </a:prstGeom>
+          <a:ln>
+            <a:tailEnd type="triangle"/>
+          </a:ln>
+        </p:spPr>
+        <p:style>
+          <a:lnRef idx="2">
+            <a:schemeClr val="dk1"/>
+          </a:lnRef>
+          <a:fillRef idx="0">
+            <a:schemeClr val="dk1"/>
+          </a:fillRef>
+          <a:effectRef idx="1">
+            <a:schemeClr val="dk1"/>
+          </a:effectRef>
+          <a:fontRef idx="minor">
+            <a:schemeClr val="tx1"/>
+          </a:fontRef>
+        </p:style>
+      </p:cxnSp>
+      <p:cxnSp>
+        <p:nvCxnSpPr>
+          <p:cNvPr id="111" name="Straight Arrow Connector 110">
+            <a:extLst>
+              <a:ext uri="{FF2B5EF4-FFF2-40B4-BE49-F238E27FC236}">
+                <a16:creationId xmlns:a16="http://schemas.microsoft.com/office/drawing/2014/main" id="{0C9FF24C-D7B2-4C6B-B871-34E23CE554D5}"/>
+              </a:ext>
+            </a:extLst>
+          </p:cNvPr>
+          <p:cNvCxnSpPr>
+            <a:cxnSpLocks/>
+            <a:endCxn id="97" idx="0"/>
+          </p:cNvCxnSpPr>
+          <p:nvPr/>
+        </p:nvCxnSpPr>
+        <p:spPr>
+          <a:xfrm>
+            <a:off x="4607146" y="3575631"/>
+            <a:ext cx="0" cy="754996"/>
+          </a:xfrm>
+          <a:prstGeom prst="straightConnector1">
+            <a:avLst/>
+          </a:prstGeom>
+          <a:ln>
+            <a:tailEnd type="triangle"/>
+          </a:ln>
+        </p:spPr>
+        <p:style>
+          <a:lnRef idx="2">
+            <a:schemeClr val="dk1"/>
+          </a:lnRef>
+          <a:fillRef idx="0">
+            <a:schemeClr val="dk1"/>
+          </a:fillRef>
+          <a:effectRef idx="1">
+            <a:schemeClr val="dk1"/>
+          </a:effectRef>
+          <a:fontRef idx="minor">
+            <a:schemeClr val="tx1"/>
+          </a:fontRef>
+        </p:style>
+      </p:cxnSp>
+      <p:cxnSp>
+        <p:nvCxnSpPr>
+          <p:cNvPr id="120" name="Straight Arrow Connector 119">
+            <a:extLst>
+              <a:ext uri="{FF2B5EF4-FFF2-40B4-BE49-F238E27FC236}">
+                <a16:creationId xmlns:a16="http://schemas.microsoft.com/office/drawing/2014/main" id="{8C544FB0-365A-4E7C-B717-C33D1B39C26C}"/>
+              </a:ext>
+            </a:extLst>
+          </p:cNvPr>
+          <p:cNvCxnSpPr>
+            <a:cxnSpLocks/>
+          </p:cNvCxnSpPr>
+          <p:nvPr/>
+        </p:nvCxnSpPr>
+        <p:spPr>
+          <a:xfrm>
+            <a:off x="4944476" y="3575631"/>
+            <a:ext cx="0" cy="1188304"/>
+          </a:xfrm>
+          <a:prstGeom prst="straightConnector1">
+            <a:avLst/>
+          </a:prstGeom>
+          <a:ln>
+            <a:tailEnd type="triangle"/>
+          </a:ln>
+        </p:spPr>
+        <p:style>
+          <a:lnRef idx="2">
+            <a:schemeClr val="dk1"/>
+          </a:lnRef>
+          <a:fillRef idx="0">
+            <a:schemeClr val="dk1"/>
+          </a:fillRef>
+          <a:effectRef idx="1">
+            <a:schemeClr val="dk1"/>
+          </a:effectRef>
+          <a:fontRef idx="minor">
+            <a:schemeClr val="tx1"/>
+          </a:fontRef>
+        </p:style>
+      </p:cxnSp>
+      <p:cxnSp>
+        <p:nvCxnSpPr>
+          <p:cNvPr id="122" name="Straight Connector 121">
+            <a:extLst>
+              <a:ext uri="{FF2B5EF4-FFF2-40B4-BE49-F238E27FC236}">
+                <a16:creationId xmlns:a16="http://schemas.microsoft.com/office/drawing/2014/main" id="{82CF6B7D-3507-443F-9F08-E0C0AA71CF3D}"/>
+              </a:ext>
+            </a:extLst>
+          </p:cNvPr>
+          <p:cNvCxnSpPr>
+            <a:cxnSpLocks/>
+            <a:stCxn id="96" idx="2"/>
+          </p:cNvCxnSpPr>
+          <p:nvPr/>
+        </p:nvCxnSpPr>
+        <p:spPr>
+          <a:xfrm>
+            <a:off x="4607146" y="4576848"/>
+            <a:ext cx="0" cy="1581624"/>
+          </a:xfrm>
+          <a:prstGeom prst="line">
+            <a:avLst/>
+          </a:prstGeom>
+        </p:spPr>
+        <p:style>
+          <a:lnRef idx="2">
+            <a:schemeClr val="dk1"/>
+          </a:lnRef>
+          <a:fillRef idx="0">
+            <a:schemeClr val="dk1"/>
+          </a:fillRef>
+          <a:effectRef idx="1">
+            <a:schemeClr val="dk1"/>
+          </a:effectRef>
+          <a:fontRef idx="minor">
+            <a:schemeClr val="tx1"/>
+          </a:fontRef>
+        </p:style>
+      </p:cxnSp>
+      <p:cxnSp>
+        <p:nvCxnSpPr>
+          <p:cNvPr id="127" name="Straight Arrow Connector 126">
+            <a:extLst>
+              <a:ext uri="{FF2B5EF4-FFF2-40B4-BE49-F238E27FC236}">
+                <a16:creationId xmlns:a16="http://schemas.microsoft.com/office/drawing/2014/main" id="{DA1FF23D-C6EB-4E31-A2BD-3552558C740E}"/>
+              </a:ext>
+            </a:extLst>
+          </p:cNvPr>
+          <p:cNvCxnSpPr>
+            <a:cxnSpLocks/>
+          </p:cNvCxnSpPr>
+          <p:nvPr/>
+        </p:nvCxnSpPr>
+        <p:spPr>
+          <a:xfrm>
+            <a:off x="4607146" y="1932588"/>
+            <a:ext cx="0" cy="989633"/>
+          </a:xfrm>
+          <a:prstGeom prst="straightConnector1">
+            <a:avLst/>
+          </a:prstGeom>
+          <a:ln>
+            <a:tailEnd type="triangle"/>
+          </a:ln>
+        </p:spPr>
+        <p:style>
+          <a:lnRef idx="2">
+            <a:schemeClr val="dk1"/>
+          </a:lnRef>
+          <a:fillRef idx="0">
+            <a:schemeClr val="dk1"/>
+          </a:fillRef>
+          <a:effectRef idx="1">
+            <a:schemeClr val="dk1"/>
+          </a:effectRef>
+          <a:fontRef idx="minor">
+            <a:schemeClr val="tx1"/>
+          </a:fontRef>
+        </p:style>
+      </p:cxnSp>
+      <p:cxnSp>
+        <p:nvCxnSpPr>
+          <p:cNvPr id="134" name="Straight Connector 133">
+            <a:extLst>
+              <a:ext uri="{FF2B5EF4-FFF2-40B4-BE49-F238E27FC236}">
+                <a16:creationId xmlns:a16="http://schemas.microsoft.com/office/drawing/2014/main" id="{C3693A9D-09FF-4A30-BF30-F7B339766D06}"/>
+              </a:ext>
+            </a:extLst>
+          </p:cNvPr>
+          <p:cNvCxnSpPr>
+            <a:cxnSpLocks/>
+            <a:stCxn id="95" idx="2"/>
+          </p:cNvCxnSpPr>
+          <p:nvPr/>
+        </p:nvCxnSpPr>
+        <p:spPr>
+          <a:xfrm flipH="1">
+            <a:off x="4218276" y="4154556"/>
+            <a:ext cx="5822" cy="1243487"/>
+          </a:xfrm>
+          <a:prstGeom prst="line">
+            <a:avLst/>
+          </a:prstGeom>
+        </p:spPr>
+        <p:style>
+          <a:lnRef idx="2">
+            <a:schemeClr val="dk1"/>
+          </a:lnRef>
+          <a:fillRef idx="0">
+            <a:schemeClr val="dk1"/>
+          </a:fillRef>
+          <a:effectRef idx="1">
+            <a:schemeClr val="dk1"/>
+          </a:effectRef>
+          <a:fontRef idx="minor">
+            <a:schemeClr val="tx1"/>
+          </a:fontRef>
+        </p:style>
+      </p:cxnSp>
+      <p:cxnSp>
+        <p:nvCxnSpPr>
+          <p:cNvPr id="138" name="Straight Connector 137">
+            <a:extLst>
+              <a:ext uri="{FF2B5EF4-FFF2-40B4-BE49-F238E27FC236}">
+                <a16:creationId xmlns:a16="http://schemas.microsoft.com/office/drawing/2014/main" id="{AF39816C-ECB2-43F7-AE9C-4C665E93CB46}"/>
+              </a:ext>
+            </a:extLst>
+          </p:cNvPr>
+          <p:cNvCxnSpPr>
+            <a:cxnSpLocks/>
+          </p:cNvCxnSpPr>
+          <p:nvPr/>
+        </p:nvCxnSpPr>
+        <p:spPr>
+          <a:xfrm>
+            <a:off x="4607146" y="5398043"/>
+            <a:ext cx="0" cy="760429"/>
+          </a:xfrm>
+          <a:prstGeom prst="line">
+            <a:avLst/>
+          </a:prstGeom>
+        </p:spPr>
+        <p:style>
+          <a:lnRef idx="2">
+            <a:schemeClr val="dk1"/>
+          </a:lnRef>
+          <a:fillRef idx="0">
+            <a:schemeClr val="dk1"/>
+          </a:fillRef>
+          <a:effectRef idx="1">
+            <a:schemeClr val="dk1"/>
+          </a:effectRef>
+          <a:fontRef idx="minor">
+            <a:schemeClr val="tx1"/>
+          </a:fontRef>
+        </p:style>
+      </p:cxnSp>
+      <p:cxnSp>
+        <p:nvCxnSpPr>
+          <p:cNvPr id="139" name="Straight Connector 138">
+            <a:extLst>
+              <a:ext uri="{FF2B5EF4-FFF2-40B4-BE49-F238E27FC236}">
+                <a16:creationId xmlns:a16="http://schemas.microsoft.com/office/drawing/2014/main" id="{13773E96-C56C-4554-BF79-71F300A76792}"/>
+              </a:ext>
+            </a:extLst>
+          </p:cNvPr>
+          <p:cNvCxnSpPr>
+            <a:cxnSpLocks/>
+          </p:cNvCxnSpPr>
+          <p:nvPr/>
+        </p:nvCxnSpPr>
+        <p:spPr>
+          <a:xfrm>
+            <a:off x="4944476" y="4999140"/>
+            <a:ext cx="0" cy="398903"/>
+          </a:xfrm>
+          <a:prstGeom prst="line">
+            <a:avLst/>
+          </a:prstGeom>
+        </p:spPr>
+        <p:style>
+          <a:lnRef idx="2">
+            <a:schemeClr val="dk1"/>
+          </a:lnRef>
+          <a:fillRef idx="0">
+            <a:schemeClr val="dk1"/>
+          </a:fillRef>
+          <a:effectRef idx="1">
+            <a:schemeClr val="dk1"/>
+          </a:effectRef>
+          <a:fontRef idx="minor">
+            <a:schemeClr val="tx1"/>
+          </a:fontRef>
+        </p:style>
+      </p:cxnSp>
     </p:spTree>
     <p:extLst>
       <p:ext uri="{BB962C8B-B14F-4D97-AF65-F5344CB8AC3E}">
